--- a/data/就職作品企画書_宮近一星.pptx
+++ b/data/就職作品企画書_宮近一星.pptx
@@ -228,7 +228,7 @@
           <a:p>
             <a:fld id="{4C5FCBF2-6417-492C-9864-B0EED3A4C2ED}" type="datetimeFigureOut">
               <a:rPr kumimoji="1" lang="ja-JP" altLang="en-US" smtClean="0"/>
-              <a:t>2024/7/12</a:t>
+              <a:t>2024/7/18</a:t>
             </a:fld>
             <a:endParaRPr kumimoji="1" lang="ja-JP" altLang="en-US"/>
           </a:p>
@@ -790,7 +790,7 @@
           <a:p>
             <a:fld id="{23969284-4B78-4961-8576-EBBB764C8E8C}" type="datetimeFigureOut">
               <a:rPr kumimoji="1" lang="ja-JP" altLang="en-US" smtClean="0"/>
-              <a:t>2024/7/12</a:t>
+              <a:t>2024/7/18</a:t>
             </a:fld>
             <a:endParaRPr kumimoji="1" lang="ja-JP" altLang="en-US"/>
           </a:p>
@@ -990,7 +990,7 @@
           <a:p>
             <a:fld id="{23969284-4B78-4961-8576-EBBB764C8E8C}" type="datetimeFigureOut">
               <a:rPr kumimoji="1" lang="ja-JP" altLang="en-US" smtClean="0"/>
-              <a:t>2024/7/12</a:t>
+              <a:t>2024/7/18</a:t>
             </a:fld>
             <a:endParaRPr kumimoji="1" lang="ja-JP" altLang="en-US"/>
           </a:p>
@@ -1200,7 +1200,7 @@
           <a:p>
             <a:fld id="{23969284-4B78-4961-8576-EBBB764C8E8C}" type="datetimeFigureOut">
               <a:rPr kumimoji="1" lang="ja-JP" altLang="en-US" smtClean="0"/>
-              <a:t>2024/7/12</a:t>
+              <a:t>2024/7/18</a:t>
             </a:fld>
             <a:endParaRPr kumimoji="1" lang="ja-JP" altLang="en-US"/>
           </a:p>
@@ -1400,7 +1400,7 @@
           <a:p>
             <a:fld id="{23969284-4B78-4961-8576-EBBB764C8E8C}" type="datetimeFigureOut">
               <a:rPr kumimoji="1" lang="ja-JP" altLang="en-US" smtClean="0"/>
-              <a:t>2024/7/12</a:t>
+              <a:t>2024/7/18</a:t>
             </a:fld>
             <a:endParaRPr kumimoji="1" lang="ja-JP" altLang="en-US"/>
           </a:p>
@@ -1645,7 +1645,7 @@
           <a:p>
             <a:fld id="{23969284-4B78-4961-8576-EBBB764C8E8C}" type="datetimeFigureOut">
               <a:rPr kumimoji="1" lang="ja-JP" altLang="en-US" smtClean="0"/>
-              <a:t>2024/7/12</a:t>
+              <a:t>2024/7/18</a:t>
             </a:fld>
             <a:endParaRPr kumimoji="1" lang="ja-JP" altLang="en-US"/>
           </a:p>
@@ -1994,7 +1994,7 @@
           <a:p>
             <a:fld id="{23969284-4B78-4961-8576-EBBB764C8E8C}" type="datetimeFigureOut">
               <a:rPr kumimoji="1" lang="ja-JP" altLang="en-US" smtClean="0"/>
-              <a:t>2024/7/12</a:t>
+              <a:t>2024/7/18</a:t>
             </a:fld>
             <a:endParaRPr kumimoji="1" lang="ja-JP" altLang="en-US"/>
           </a:p>
@@ -2477,7 +2477,7 @@
           <a:p>
             <a:fld id="{23969284-4B78-4961-8576-EBBB764C8E8C}" type="datetimeFigureOut">
               <a:rPr kumimoji="1" lang="ja-JP" altLang="en-US" smtClean="0"/>
-              <a:t>2024/7/12</a:t>
+              <a:t>2024/7/18</a:t>
             </a:fld>
             <a:endParaRPr kumimoji="1" lang="ja-JP" altLang="en-US"/>
           </a:p>
@@ -2594,7 +2594,7 @@
           <a:p>
             <a:fld id="{23969284-4B78-4961-8576-EBBB764C8E8C}" type="datetimeFigureOut">
               <a:rPr kumimoji="1" lang="ja-JP" altLang="en-US" smtClean="0"/>
-              <a:t>2024/7/12</a:t>
+              <a:t>2024/7/18</a:t>
             </a:fld>
             <a:endParaRPr kumimoji="1" lang="ja-JP" altLang="en-US"/>
           </a:p>
@@ -2689,7 +2689,7 @@
           <a:p>
             <a:fld id="{23969284-4B78-4961-8576-EBBB764C8E8C}" type="datetimeFigureOut">
               <a:rPr kumimoji="1" lang="ja-JP" altLang="en-US" smtClean="0"/>
-              <a:t>2024/7/12</a:t>
+              <a:t>2024/7/18</a:t>
             </a:fld>
             <a:endParaRPr kumimoji="1" lang="ja-JP" altLang="en-US"/>
           </a:p>
@@ -2996,7 +2996,7 @@
           <a:p>
             <a:fld id="{23969284-4B78-4961-8576-EBBB764C8E8C}" type="datetimeFigureOut">
               <a:rPr kumimoji="1" lang="ja-JP" altLang="en-US" smtClean="0"/>
-              <a:t>2024/7/12</a:t>
+              <a:t>2024/7/18</a:t>
             </a:fld>
             <a:endParaRPr kumimoji="1" lang="ja-JP" altLang="en-US"/>
           </a:p>
@@ -3248,7 +3248,7 @@
           <a:p>
             <a:fld id="{23969284-4B78-4961-8576-EBBB764C8E8C}" type="datetimeFigureOut">
               <a:rPr kumimoji="1" lang="ja-JP" altLang="en-US" smtClean="0"/>
-              <a:t>2024/7/12</a:t>
+              <a:t>2024/7/18</a:t>
             </a:fld>
             <a:endParaRPr kumimoji="1" lang="ja-JP" altLang="en-US"/>
           </a:p>
@@ -3491,7 +3491,7 @@
           <a:p>
             <a:fld id="{23969284-4B78-4961-8576-EBBB764C8E8C}" type="datetimeFigureOut">
               <a:rPr kumimoji="1" lang="ja-JP" altLang="en-US" smtClean="0"/>
-              <a:t>2024/7/12</a:t>
+              <a:t>2024/7/18</a:t>
             </a:fld>
             <a:endParaRPr kumimoji="1" lang="ja-JP" altLang="en-US"/>
           </a:p>
@@ -7973,6 +7973,60 @@
               <a:t>がほんの少し回復する</a:t>
             </a:r>
             <a:endParaRPr lang="en-US" altLang="ja-JP" sz="3200" dirty="0"/>
+          </a:p>
+        </p:txBody>
+      </p:sp>
+      <p:sp>
+        <p:nvSpPr>
+          <p:cNvPr id="7" name="テキスト ボックス 6">
+            <a:extLst>
+              <a:ext uri="{FF2B5EF4-FFF2-40B4-BE49-F238E27FC236}">
+                <a16:creationId xmlns:a16="http://schemas.microsoft.com/office/drawing/2014/main" id="{2319CD87-0D9C-45E9-BD79-51BED235B393}"/>
+              </a:ext>
+            </a:extLst>
+          </p:cNvPr>
+          <p:cNvSpPr txBox="1"/>
+          <p:nvPr/>
+        </p:nvSpPr>
+        <p:spPr>
+          <a:xfrm>
+            <a:off x="811782" y="2938301"/>
+            <a:ext cx="7446418" cy="830997"/>
+          </a:xfrm>
+          <a:prstGeom prst="rect">
+            <a:avLst/>
+          </a:prstGeom>
+          <a:noFill/>
+          <a:ln>
+            <a:noFill/>
+          </a:ln>
+        </p:spPr>
+        <p:txBody>
+          <a:bodyPr wrap="square">
+            <a:spAutoFit/>
+          </a:bodyPr>
+          <a:lstStyle/>
+          <a:p>
+            <a:r>
+              <a:rPr lang="ja-JP" altLang="en-US" sz="2400" dirty="0"/>
+              <a:t>・資源を使うと強化ができる（</a:t>
+            </a:r>
+            <a:r>
+              <a:rPr lang="en-US" altLang="ja-JP" sz="2400" dirty="0"/>
+              <a:t>3</a:t>
+            </a:r>
+            <a:r>
+              <a:rPr lang="ja-JP" altLang="en-US" sz="2400" dirty="0"/>
+              <a:t>回まで）</a:t>
+            </a:r>
+            <a:endParaRPr lang="en-US" altLang="ja-JP" sz="2400" dirty="0"/>
+          </a:p>
+          <a:p>
+            <a:r>
+              <a:rPr lang="ja-JP" altLang="en-US" sz="2400" dirty="0"/>
+              <a:t>＊強化するごとに資源を使う量は増える</a:t>
+            </a:r>
+            <a:endParaRPr lang="en-US" altLang="ja-JP" sz="2400" dirty="0"/>
           </a:p>
         </p:txBody>
       </p:sp>

--- a/data/就職作品企画書_宮近一星.pptx
+++ b/data/就職作品企画書_宮近一星.pptx
@@ -228,7 +228,7 @@
           <a:p>
             <a:fld id="{4C5FCBF2-6417-492C-9864-B0EED3A4C2ED}" type="datetimeFigureOut">
               <a:rPr kumimoji="1" lang="ja-JP" altLang="en-US" smtClean="0"/>
-              <a:t>2024/7/18</a:t>
+              <a:t>2024/7/30</a:t>
             </a:fld>
             <a:endParaRPr kumimoji="1" lang="ja-JP" altLang="en-US"/>
           </a:p>
@@ -790,7 +790,7 @@
           <a:p>
             <a:fld id="{23969284-4B78-4961-8576-EBBB764C8E8C}" type="datetimeFigureOut">
               <a:rPr kumimoji="1" lang="ja-JP" altLang="en-US" smtClean="0"/>
-              <a:t>2024/7/18</a:t>
+              <a:t>2024/7/30</a:t>
             </a:fld>
             <a:endParaRPr kumimoji="1" lang="ja-JP" altLang="en-US"/>
           </a:p>
@@ -990,7 +990,7 @@
           <a:p>
             <a:fld id="{23969284-4B78-4961-8576-EBBB764C8E8C}" type="datetimeFigureOut">
               <a:rPr kumimoji="1" lang="ja-JP" altLang="en-US" smtClean="0"/>
-              <a:t>2024/7/18</a:t>
+              <a:t>2024/7/30</a:t>
             </a:fld>
             <a:endParaRPr kumimoji="1" lang="ja-JP" altLang="en-US"/>
           </a:p>
@@ -1200,7 +1200,7 @@
           <a:p>
             <a:fld id="{23969284-4B78-4961-8576-EBBB764C8E8C}" type="datetimeFigureOut">
               <a:rPr kumimoji="1" lang="ja-JP" altLang="en-US" smtClean="0"/>
-              <a:t>2024/7/18</a:t>
+              <a:t>2024/7/30</a:t>
             </a:fld>
             <a:endParaRPr kumimoji="1" lang="ja-JP" altLang="en-US"/>
           </a:p>
@@ -1400,7 +1400,7 @@
           <a:p>
             <a:fld id="{23969284-4B78-4961-8576-EBBB764C8E8C}" type="datetimeFigureOut">
               <a:rPr kumimoji="1" lang="ja-JP" altLang="en-US" smtClean="0"/>
-              <a:t>2024/7/18</a:t>
+              <a:t>2024/7/30</a:t>
             </a:fld>
             <a:endParaRPr kumimoji="1" lang="ja-JP" altLang="en-US"/>
           </a:p>
@@ -1645,7 +1645,7 @@
           <a:p>
             <a:fld id="{23969284-4B78-4961-8576-EBBB764C8E8C}" type="datetimeFigureOut">
               <a:rPr kumimoji="1" lang="ja-JP" altLang="en-US" smtClean="0"/>
-              <a:t>2024/7/18</a:t>
+              <a:t>2024/7/30</a:t>
             </a:fld>
             <a:endParaRPr kumimoji="1" lang="ja-JP" altLang="en-US"/>
           </a:p>
@@ -1994,7 +1994,7 @@
           <a:p>
             <a:fld id="{23969284-4B78-4961-8576-EBBB764C8E8C}" type="datetimeFigureOut">
               <a:rPr kumimoji="1" lang="ja-JP" altLang="en-US" smtClean="0"/>
-              <a:t>2024/7/18</a:t>
+              <a:t>2024/7/30</a:t>
             </a:fld>
             <a:endParaRPr kumimoji="1" lang="ja-JP" altLang="en-US"/>
           </a:p>
@@ -2477,7 +2477,7 @@
           <a:p>
             <a:fld id="{23969284-4B78-4961-8576-EBBB764C8E8C}" type="datetimeFigureOut">
               <a:rPr kumimoji="1" lang="ja-JP" altLang="en-US" smtClean="0"/>
-              <a:t>2024/7/18</a:t>
+              <a:t>2024/7/30</a:t>
             </a:fld>
             <a:endParaRPr kumimoji="1" lang="ja-JP" altLang="en-US"/>
           </a:p>
@@ -2594,7 +2594,7 @@
           <a:p>
             <a:fld id="{23969284-4B78-4961-8576-EBBB764C8E8C}" type="datetimeFigureOut">
               <a:rPr kumimoji="1" lang="ja-JP" altLang="en-US" smtClean="0"/>
-              <a:t>2024/7/18</a:t>
+              <a:t>2024/7/30</a:t>
             </a:fld>
             <a:endParaRPr kumimoji="1" lang="ja-JP" altLang="en-US"/>
           </a:p>
@@ -2689,7 +2689,7 @@
           <a:p>
             <a:fld id="{23969284-4B78-4961-8576-EBBB764C8E8C}" type="datetimeFigureOut">
               <a:rPr kumimoji="1" lang="ja-JP" altLang="en-US" smtClean="0"/>
-              <a:t>2024/7/18</a:t>
+              <a:t>2024/7/30</a:t>
             </a:fld>
             <a:endParaRPr kumimoji="1" lang="ja-JP" altLang="en-US"/>
           </a:p>
@@ -2996,7 +2996,7 @@
           <a:p>
             <a:fld id="{23969284-4B78-4961-8576-EBBB764C8E8C}" type="datetimeFigureOut">
               <a:rPr kumimoji="1" lang="ja-JP" altLang="en-US" smtClean="0"/>
-              <a:t>2024/7/18</a:t>
+              <a:t>2024/7/30</a:t>
             </a:fld>
             <a:endParaRPr kumimoji="1" lang="ja-JP" altLang="en-US"/>
           </a:p>
@@ -3248,7 +3248,7 @@
           <a:p>
             <a:fld id="{23969284-4B78-4961-8576-EBBB764C8E8C}" type="datetimeFigureOut">
               <a:rPr kumimoji="1" lang="ja-JP" altLang="en-US" smtClean="0"/>
-              <a:t>2024/7/18</a:t>
+              <a:t>2024/7/30</a:t>
             </a:fld>
             <a:endParaRPr kumimoji="1" lang="ja-JP" altLang="en-US"/>
           </a:p>
@@ -3491,7 +3491,7 @@
           <a:p>
             <a:fld id="{23969284-4B78-4961-8576-EBBB764C8E8C}" type="datetimeFigureOut">
               <a:rPr kumimoji="1" lang="ja-JP" altLang="en-US" smtClean="0"/>
-              <a:t>2024/7/18</a:t>
+              <a:t>2024/7/30</a:t>
             </a:fld>
             <a:endParaRPr kumimoji="1" lang="ja-JP" altLang="en-US"/>
           </a:p>
@@ -3866,12 +3866,48 @@
           <a:chExt cx="0" cy="0"/>
         </a:xfrm>
       </p:grpSpPr>
-      <p:sp>
-        <p:nvSpPr>
-          <p:cNvPr id="2" name="テキスト ボックス 1">
+      <p:pic>
+        <p:nvPicPr>
+          <p:cNvPr id="6" name="図 5">
             <a:extLst>
               <a:ext uri="{FF2B5EF4-FFF2-40B4-BE49-F238E27FC236}">
-                <a16:creationId xmlns:a16="http://schemas.microsoft.com/office/drawing/2014/main" id="{26A3CC0E-6057-4E4A-A983-588C785628BA}"/>
+                <a16:creationId xmlns:a16="http://schemas.microsoft.com/office/drawing/2014/main" id="{15B9351C-B899-4FB8-9DD5-EDD897780A97}"/>
+              </a:ext>
+            </a:extLst>
+          </p:cNvPr>
+          <p:cNvPicPr>
+            <a:picLocks noChangeAspect="1"/>
+          </p:cNvPicPr>
+          <p:nvPr/>
+        </p:nvPicPr>
+        <p:blipFill>
+          <a:blip r:embed="rId2" cstate="print">
+            <a:extLst>
+              <a:ext uri="{28A0092B-C50C-407E-A947-70E740481C1C}">
+                <a14:useLocalDpi xmlns:a14="http://schemas.microsoft.com/office/drawing/2010/main" val="0"/>
+              </a:ext>
+            </a:extLst>
+          </a:blip>
+          <a:stretch>
+            <a:fillRect/>
+          </a:stretch>
+        </p:blipFill>
+        <p:spPr>
+          <a:xfrm>
+            <a:off x="-23600" y="0"/>
+            <a:ext cx="12215600" cy="6858000"/>
+          </a:xfrm>
+          <a:prstGeom prst="rect">
+            <a:avLst/>
+          </a:prstGeom>
+        </p:spPr>
+      </p:pic>
+      <p:sp>
+        <p:nvSpPr>
+          <p:cNvPr id="7" name="テキスト ボックス 6">
+            <a:extLst>
+              <a:ext uri="{FF2B5EF4-FFF2-40B4-BE49-F238E27FC236}">
+                <a16:creationId xmlns:a16="http://schemas.microsoft.com/office/drawing/2014/main" id="{A962A7BD-265C-4F63-B270-BF05E4EA7AE2}"/>
               </a:ext>
             </a:extLst>
           </p:cNvPr>
@@ -3880,8 +3916,8 @@
         </p:nvSpPr>
         <p:spPr>
           <a:xfrm>
-            <a:off x="335360" y="260648"/>
-            <a:ext cx="6912768" cy="1015663"/>
+            <a:off x="9303106" y="6396335"/>
+            <a:ext cx="2888894" cy="461665"/>
           </a:xfrm>
           <a:prstGeom prst="rect">
             <a:avLst/>
@@ -3892,127 +3928,32 @@
           </a:ln>
         </p:spPr>
         <p:txBody>
-          <a:bodyPr wrap="square" rtlCol="0">
-            <a:spAutoFit/>
-          </a:bodyPr>
-          <a:lstStyle/>
-          <a:p>
-            <a:r>
-              <a:rPr kumimoji="1" lang="ja-JP" altLang="en-US" sz="6000" dirty="0"/>
-              <a:t>もとにするゲーム</a:t>
-            </a:r>
-          </a:p>
-        </p:txBody>
-      </p:sp>
-      <p:sp>
-        <p:nvSpPr>
-          <p:cNvPr id="3" name="テキスト ボックス 2">
-            <a:extLst>
-              <a:ext uri="{FF2B5EF4-FFF2-40B4-BE49-F238E27FC236}">
-                <a16:creationId xmlns:a16="http://schemas.microsoft.com/office/drawing/2014/main" id="{970C5890-9A06-44FF-9A47-1523DDA37AC6}"/>
-              </a:ext>
-            </a:extLst>
-          </p:cNvPr>
-          <p:cNvSpPr txBox="1"/>
-          <p:nvPr/>
-        </p:nvSpPr>
-        <p:spPr>
-          <a:xfrm>
-            <a:off x="2639615" y="2492896"/>
-            <a:ext cx="6912769" cy="1661993"/>
-          </a:xfrm>
-          <a:prstGeom prst="rect">
-            <a:avLst/>
-          </a:prstGeom>
-          <a:noFill/>
-          <a:ln>
-            <a:solidFill>
-              <a:schemeClr val="accent2">
-                <a:lumMod val="50000"/>
-              </a:schemeClr>
-            </a:solidFill>
-          </a:ln>
-        </p:spPr>
-        <p:txBody>
-          <a:bodyPr wrap="square" rtlCol="0">
-            <a:spAutoFit/>
-          </a:bodyPr>
-          <a:lstStyle/>
-          <a:p>
-            <a:pPr algn="ctr"/>
-            <a:r>
-              <a:rPr lang="en-US" altLang="ja-JP" sz="6600" b="1" i="0" dirty="0">
-                <a:solidFill>
-                  <a:srgbClr val="FF0000"/>
-                </a:solidFill>
-                <a:effectLst/>
-                <a:latin typeface="Khand"/>
-              </a:rPr>
-              <a:t>ENDLESS Dungeon</a:t>
-            </a:r>
-          </a:p>
-          <a:p>
-            <a:pPr algn="ctr"/>
-            <a:r>
-              <a:rPr lang="ja-JP" altLang="en-US" sz="3600" b="1" i="0" dirty="0">
-                <a:solidFill>
-                  <a:srgbClr val="FF0000"/>
-                </a:solidFill>
-                <a:effectLst/>
-                <a:latin typeface="Khand"/>
-              </a:rPr>
-              <a:t>エンドレスダンジョン</a:t>
-            </a:r>
-            <a:endParaRPr lang="en-US" altLang="ja-JP" sz="3600" b="1" i="0" dirty="0">
-              <a:solidFill>
-                <a:srgbClr val="FF0000"/>
-              </a:solidFill>
-              <a:effectLst/>
-              <a:latin typeface="Khand"/>
-            </a:endParaRPr>
-          </a:p>
-        </p:txBody>
-      </p:sp>
-      <p:sp>
-        <p:nvSpPr>
-          <p:cNvPr id="4" name="テキスト ボックス 3">
-            <a:extLst>
-              <a:ext uri="{FF2B5EF4-FFF2-40B4-BE49-F238E27FC236}">
-                <a16:creationId xmlns:a16="http://schemas.microsoft.com/office/drawing/2014/main" id="{F5660A3D-4A6C-491C-B221-98C8A4DA4566}"/>
-              </a:ext>
-            </a:extLst>
-          </p:cNvPr>
-          <p:cNvSpPr txBox="1"/>
-          <p:nvPr/>
-        </p:nvSpPr>
-        <p:spPr>
-          <a:xfrm>
-            <a:off x="9303106" y="6396335"/>
-            <a:ext cx="2888894" cy="461665"/>
-          </a:xfrm>
-          <a:prstGeom prst="rect">
-            <a:avLst/>
-          </a:prstGeom>
-          <a:noFill/>
-          <a:ln>
-            <a:noFill/>
-          </a:ln>
-        </p:spPr>
-        <p:txBody>
           <a:bodyPr wrap="square">
             <a:spAutoFit/>
           </a:bodyPr>
           <a:lstStyle/>
           <a:p>
             <a:r>
-              <a:rPr lang="en-US" altLang="ja-JP" sz="2400" dirty="0"/>
+              <a:rPr lang="en-US" altLang="ja-JP" sz="2400" dirty="0">
+                <a:solidFill>
+                  <a:schemeClr val="bg1"/>
+                </a:solidFill>
+              </a:rPr>
               <a:t>2309430</a:t>
             </a:r>
             <a:r>
-              <a:rPr lang="ja-JP" altLang="en-US" sz="2400" dirty="0"/>
+              <a:rPr lang="ja-JP" altLang="en-US" sz="2400" dirty="0">
+                <a:solidFill>
+                  <a:schemeClr val="bg1"/>
+                </a:solidFill>
+              </a:rPr>
               <a:t>　　宮近一星</a:t>
             </a:r>
-            <a:endParaRPr lang="en-US" altLang="ja-JP" sz="2400" dirty="0"/>
+            <a:endParaRPr lang="en-US" altLang="ja-JP" sz="2400" dirty="0">
+              <a:solidFill>
+                <a:schemeClr val="bg1"/>
+              </a:solidFill>
+            </a:endParaRPr>
           </a:p>
         </p:txBody>
       </p:sp>
@@ -4046,6 +3987,47 @@
           <a:chExt cx="0" cy="0"/>
         </a:xfrm>
       </p:grpSpPr>
+      <p:pic>
+        <p:nvPicPr>
+          <p:cNvPr id="42" name="図 41">
+            <a:extLst>
+              <a:ext uri="{FF2B5EF4-FFF2-40B4-BE49-F238E27FC236}">
+                <a16:creationId xmlns:a16="http://schemas.microsoft.com/office/drawing/2014/main" id="{DE1DC421-395E-45C9-8703-2832038A8ACB}"/>
+              </a:ext>
+            </a:extLst>
+          </p:cNvPr>
+          <p:cNvPicPr>
+            <a:picLocks noChangeAspect="1"/>
+          </p:cNvPicPr>
+          <p:nvPr/>
+        </p:nvPicPr>
+        <p:blipFill>
+          <a:blip r:embed="rId2" cstate="print">
+            <a:extLst>
+              <a:ext uri="{28A0092B-C50C-407E-A947-70E740481C1C}">
+                <a14:useLocalDpi xmlns:a14="http://schemas.microsoft.com/office/drawing/2010/main" val="0"/>
+              </a:ext>
+            </a:extLst>
+          </a:blip>
+          <a:stretch>
+            <a:fillRect/>
+          </a:stretch>
+        </p:blipFill>
+        <p:spPr>
+          <a:xfrm>
+            <a:off x="-23600" y="0"/>
+            <a:ext cx="12215600" cy="6858000"/>
+          </a:xfrm>
+          <a:prstGeom prst="rect">
+            <a:avLst/>
+          </a:prstGeom>
+          <a:ln>
+            <a:solidFill>
+              <a:schemeClr val="bg1"/>
+            </a:solidFill>
+          </a:ln>
+        </p:spPr>
+      </p:pic>
       <p:sp>
         <p:nvSpPr>
           <p:cNvPr id="3" name="テキスト ボックス 2">
@@ -4078,10 +4060,18 @@
           <a:lstStyle/>
           <a:p>
             <a:r>
-              <a:rPr lang="ja-JP" altLang="en-US" sz="6000" dirty="0"/>
+              <a:rPr lang="ja-JP" altLang="en-US" sz="6000" dirty="0">
+                <a:solidFill>
+                  <a:schemeClr val="bg1"/>
+                </a:solidFill>
+              </a:rPr>
               <a:t>ゲームの流れ</a:t>
             </a:r>
-            <a:endParaRPr kumimoji="1" lang="ja-JP" altLang="en-US" sz="6000" dirty="0"/>
+            <a:endParaRPr kumimoji="1" lang="ja-JP" altLang="en-US" sz="6000" dirty="0">
+              <a:solidFill>
+                <a:schemeClr val="bg1"/>
+              </a:solidFill>
+            </a:endParaRPr>
           </a:p>
         </p:txBody>
       </p:sp>
@@ -4117,7 +4107,11 @@
           <a:lstStyle/>
           <a:p>
             <a:r>
-              <a:rPr lang="ja-JP" altLang="en-US" sz="2400" dirty="0"/>
+              <a:rPr lang="ja-JP" altLang="en-US" sz="2400" dirty="0">
+                <a:solidFill>
+                  <a:schemeClr val="bg1"/>
+                </a:solidFill>
+              </a:rPr>
               <a:t>・</a:t>
             </a:r>
             <a:r>
@@ -4137,26 +4131,50 @@
               <a:t>階層</a:t>
             </a:r>
             <a:r>
-              <a:rPr lang="ja-JP" altLang="en-US" sz="2400" dirty="0"/>
+              <a:rPr lang="ja-JP" altLang="en-US" sz="2400" dirty="0">
+                <a:solidFill>
+                  <a:schemeClr val="bg1"/>
+                </a:solidFill>
+              </a:rPr>
               <a:t>ある。</a:t>
             </a:r>
-            <a:endParaRPr lang="en-US" altLang="ja-JP" sz="2400" dirty="0"/>
-          </a:p>
-          <a:p>
-            <a:r>
-              <a:rPr lang="ja-JP" altLang="en-US" sz="2400" dirty="0"/>
+            <a:endParaRPr lang="en-US" altLang="ja-JP" sz="2400" dirty="0">
+              <a:solidFill>
+                <a:schemeClr val="bg1"/>
+              </a:solidFill>
+            </a:endParaRPr>
+          </a:p>
+          <a:p>
+            <a:r>
+              <a:rPr lang="ja-JP" altLang="en-US" sz="2400" dirty="0">
+                <a:solidFill>
+                  <a:schemeClr val="bg1"/>
+                </a:solidFill>
+              </a:rPr>
               <a:t>　</a:t>
             </a:r>
             <a:r>
-              <a:rPr lang="en-US" altLang="ja-JP" sz="2400" dirty="0"/>
+              <a:rPr lang="en-US" altLang="ja-JP" sz="2400" dirty="0">
+                <a:solidFill>
+                  <a:schemeClr val="bg1"/>
+                </a:solidFill>
+              </a:rPr>
               <a:t>(1</a:t>
             </a:r>
             <a:r>
-              <a:rPr lang="ja-JP" altLang="en-US" sz="2400" dirty="0"/>
+              <a:rPr lang="ja-JP" altLang="en-US" sz="2400" dirty="0">
+                <a:solidFill>
+                  <a:schemeClr val="bg1"/>
+                </a:solidFill>
+              </a:rPr>
               <a:t>階層につき部屋がいくつかある</a:t>
             </a:r>
             <a:r>
-              <a:rPr lang="en-US" altLang="ja-JP" sz="2400" dirty="0"/>
+              <a:rPr lang="en-US" altLang="ja-JP" sz="2400" dirty="0">
+                <a:solidFill>
+                  <a:schemeClr val="bg1"/>
+                </a:solidFill>
+              </a:rPr>
               <a:t>)</a:t>
             </a:r>
           </a:p>
@@ -4194,22 +4212,42 @@
           <a:lstStyle/>
           <a:p>
             <a:r>
-              <a:rPr lang="ja-JP" altLang="en-US" sz="2400" dirty="0"/>
+              <a:rPr lang="ja-JP" altLang="en-US" sz="2400" dirty="0">
+                <a:solidFill>
+                  <a:srgbClr val="FEF4EC"/>
+                </a:solidFill>
+              </a:rPr>
               <a:t>・プレイヤーは</a:t>
             </a:r>
             <a:r>
-              <a:rPr lang="ja-JP" altLang="en-US" sz="2400" b="1" u="sng" dirty="0"/>
+              <a:rPr lang="ja-JP" altLang="en-US" sz="2400" b="1" u="sng" dirty="0">
+                <a:solidFill>
+                  <a:srgbClr val="FFFF00"/>
+                </a:solidFill>
+              </a:rPr>
               <a:t>扉を開けて探索</a:t>
             </a:r>
             <a:r>
-              <a:rPr lang="ja-JP" altLang="en-US" sz="2400" dirty="0"/>
+              <a:rPr lang="ja-JP" altLang="en-US" sz="2400" dirty="0">
+                <a:solidFill>
+                  <a:srgbClr val="FEF4EC"/>
+                </a:solidFill>
+              </a:rPr>
               <a:t>し、ユニットと己の</a:t>
             </a:r>
-            <a:endParaRPr lang="en-US" altLang="ja-JP" sz="2400" dirty="0"/>
-          </a:p>
-          <a:p>
-            <a:r>
-              <a:rPr lang="ja-JP" altLang="en-US" sz="2400" dirty="0"/>
+            <a:endParaRPr lang="en-US" altLang="ja-JP" sz="2400" dirty="0">
+              <a:solidFill>
+                <a:srgbClr val="FEF4EC"/>
+              </a:solidFill>
+            </a:endParaRPr>
+          </a:p>
+          <a:p>
+            <a:r>
+              <a:rPr lang="ja-JP" altLang="en-US" sz="2400" dirty="0">
+                <a:solidFill>
+                  <a:srgbClr val="FEF4EC"/>
+                </a:solidFill>
+              </a:rPr>
               <a:t>　武器を用いて</a:t>
             </a:r>
             <a:r>
@@ -4221,10 +4259,18 @@
               <a:t>ボット</a:t>
             </a:r>
             <a:r>
-              <a:rPr lang="ja-JP" altLang="en-US" sz="2400" dirty="0"/>
+              <a:rPr lang="ja-JP" altLang="en-US" sz="2400" dirty="0">
+                <a:solidFill>
+                  <a:srgbClr val="FEF4EC"/>
+                </a:solidFill>
+              </a:rPr>
               <a:t>を守りながら先に進む</a:t>
             </a:r>
-            <a:endParaRPr lang="en-US" altLang="ja-JP" sz="2400" dirty="0"/>
+            <a:endParaRPr lang="en-US" altLang="ja-JP" sz="2400" dirty="0">
+              <a:solidFill>
+                <a:srgbClr val="FEF4EC"/>
+              </a:solidFill>
+            </a:endParaRPr>
           </a:p>
         </p:txBody>
       </p:sp>
@@ -4251,7 +4297,7 @@
           <a:noFill/>
           <a:ln>
             <a:solidFill>
-              <a:schemeClr val="tx1"/>
+              <a:schemeClr val="bg1"/>
             </a:solidFill>
           </a:ln>
         </p:spPr>
@@ -4262,7 +4308,11 @@
           <a:lstStyle/>
           <a:p>
             <a:r>
-              <a:rPr kumimoji="1" lang="ja-JP" altLang="en-US" sz="2000" dirty="0"/>
+              <a:rPr kumimoji="1" lang="ja-JP" altLang="en-US" sz="2000" dirty="0">
+                <a:solidFill>
+                  <a:schemeClr val="bg1"/>
+                </a:solidFill>
+              </a:rPr>
               <a:t>例</a:t>
             </a:r>
           </a:p>
@@ -4345,7 +4395,7 @@
           <a:noFill/>
           <a:ln>
             <a:solidFill>
-              <a:schemeClr val="tx1"/>
+              <a:schemeClr val="bg1"/>
             </a:solidFill>
           </a:ln>
         </p:spPr>
@@ -4370,7 +4420,11 @@
           <a:lstStyle/>
           <a:p>
             <a:pPr algn="ctr"/>
-            <a:endParaRPr kumimoji="1" lang="ja-JP" altLang="en-US"/>
+            <a:endParaRPr kumimoji="1" lang="ja-JP" altLang="en-US">
+              <a:solidFill>
+                <a:schemeClr val="bg1"/>
+              </a:solidFill>
+            </a:endParaRPr>
           </a:p>
         </p:txBody>
       </p:sp>
@@ -4397,7 +4451,7 @@
           <a:noFill/>
           <a:ln>
             <a:solidFill>
-              <a:schemeClr val="tx1"/>
+              <a:schemeClr val="bg1"/>
             </a:solidFill>
           </a:ln>
         </p:spPr>
@@ -4503,7 +4557,7 @@
           <a:noFill/>
           <a:ln>
             <a:solidFill>
-              <a:schemeClr val="tx1"/>
+              <a:schemeClr val="bg1"/>
             </a:solidFill>
           </a:ln>
         </p:spPr>
@@ -4609,7 +4663,7 @@
           <a:noFill/>
           <a:ln>
             <a:solidFill>
-              <a:schemeClr val="tx1"/>
+              <a:schemeClr val="bg1"/>
             </a:solidFill>
           </a:ln>
         </p:spPr>
@@ -4661,7 +4715,7 @@
           <a:noFill/>
           <a:ln>
             <a:solidFill>
-              <a:schemeClr val="tx1"/>
+              <a:schemeClr val="bg1"/>
             </a:solidFill>
           </a:ln>
         </p:spPr>
@@ -4797,19 +4851,19 @@
         </p:nvSpPr>
         <p:spPr>
           <a:xfrm>
-            <a:off x="9684603" y="-18560"/>
+            <a:off x="9670404" y="61087"/>
             <a:ext cx="2507397" cy="779089"/>
           </a:xfrm>
           <a:prstGeom prst="wedgeRectCallout">
             <a:avLst>
-              <a:gd name="adj1" fmla="val -3130"/>
-              <a:gd name="adj2" fmla="val 86936"/>
+              <a:gd name="adj1" fmla="val -4030"/>
+              <a:gd name="adj2" fmla="val 68099"/>
             </a:avLst>
           </a:prstGeom>
           <a:noFill/>
           <a:ln>
             <a:solidFill>
-              <a:schemeClr val="tx1"/>
+              <a:schemeClr val="bg1"/>
             </a:solidFill>
           </a:ln>
         </p:spPr>
@@ -4870,26 +4924,42 @@
           <a:lstStyle/>
           <a:p>
             <a:r>
-              <a:rPr lang="en-US" altLang="ja-JP" dirty="0"/>
+              <a:rPr lang="en-US" altLang="ja-JP" dirty="0">
+                <a:solidFill>
+                  <a:schemeClr val="bg1"/>
+                </a:solidFill>
+              </a:rPr>
               <a:t>1</a:t>
             </a:r>
             <a:r>
-              <a:rPr lang="ja-JP" altLang="en-US" dirty="0"/>
+              <a:rPr lang="ja-JP" altLang="en-US" dirty="0">
+                <a:solidFill>
+                  <a:schemeClr val="bg1"/>
+                </a:solidFill>
+              </a:rPr>
               <a:t>フロアの目的地であり開けるには</a:t>
             </a:r>
             <a:r>
+              <a:rPr lang="ja-JP" altLang="en-US" sz="1800" dirty="0">
+                <a:solidFill>
+                  <a:srgbClr val="FF0066"/>
+                </a:solidFill>
+              </a:rPr>
+              <a:t>ボット</a:t>
+            </a:r>
+            <a:r>
               <a:rPr lang="ja-JP" altLang="en-US" dirty="0">
                 <a:solidFill>
-                  <a:srgbClr val="FF0000"/>
-                </a:solidFill>
-              </a:rPr>
-              <a:t>ボット</a:t>
-            </a:r>
-            <a:r>
-              <a:rPr lang="ja-JP" altLang="en-US" dirty="0"/>
+                  <a:schemeClr val="bg1"/>
+                </a:solidFill>
+              </a:rPr>
               <a:t>が必要</a:t>
             </a:r>
-            <a:endParaRPr kumimoji="1" lang="ja-JP" altLang="en-US" dirty="0"/>
+            <a:endParaRPr kumimoji="1" lang="ja-JP" altLang="en-US" dirty="0">
+              <a:solidFill>
+                <a:schemeClr val="bg1"/>
+              </a:solidFill>
+            </a:endParaRPr>
           </a:p>
         </p:txBody>
       </p:sp>
@@ -4925,22 +4995,34 @@
           <a:lstStyle/>
           <a:p>
             <a:r>
-              <a:rPr kumimoji="1" lang="ja-JP" altLang="en-US" dirty="0"/>
+              <a:rPr kumimoji="1" lang="ja-JP" altLang="en-US" dirty="0">
+                <a:solidFill>
+                  <a:schemeClr val="bg1"/>
+                </a:solidFill>
+              </a:rPr>
               <a:t>スタート＆</a:t>
             </a:r>
             <a:r>
+              <a:rPr lang="ja-JP" altLang="en-US" sz="1800" dirty="0">
+                <a:solidFill>
+                  <a:srgbClr val="FF0066"/>
+                </a:solidFill>
+              </a:rPr>
+              <a:t>ボット</a:t>
+            </a:r>
+            <a:r>
               <a:rPr lang="ja-JP" altLang="en-US" dirty="0">
                 <a:solidFill>
-                  <a:srgbClr val="FF0066"/>
-                </a:solidFill>
-              </a:rPr>
-              <a:t>ボット</a:t>
-            </a:r>
-            <a:r>
-              <a:rPr lang="ja-JP" altLang="en-US" dirty="0"/>
+                  <a:schemeClr val="bg1"/>
+                </a:solidFill>
+              </a:rPr>
               <a:t>初期位置</a:t>
             </a:r>
-            <a:endParaRPr kumimoji="1" lang="ja-JP" altLang="en-US" dirty="0"/>
+            <a:endParaRPr kumimoji="1" lang="ja-JP" altLang="en-US" dirty="0">
+              <a:solidFill>
+                <a:schemeClr val="bg1"/>
+              </a:solidFill>
+            </a:endParaRPr>
           </a:p>
         </p:txBody>
       </p:sp>
@@ -4967,7 +5049,7 @@
           <a:noFill/>
           <a:ln>
             <a:solidFill>
-              <a:schemeClr val="tx1"/>
+              <a:schemeClr val="bg1"/>
             </a:solidFill>
           </a:ln>
         </p:spPr>
@@ -5021,7 +5103,7 @@
           </a:solidFill>
           <a:ln>
             <a:solidFill>
-              <a:schemeClr val="tx1"/>
+              <a:schemeClr val="bg1"/>
             </a:solidFill>
           </a:ln>
         </p:spPr>
@@ -5077,7 +5159,7 @@
           <a:noFill/>
           <a:ln>
             <a:solidFill>
-              <a:schemeClr val="tx1"/>
+              <a:schemeClr val="bg1"/>
             </a:solidFill>
           </a:ln>
         </p:spPr>
@@ -5129,7 +5211,7 @@
           <a:noFill/>
           <a:ln>
             <a:solidFill>
-              <a:schemeClr val="tx1"/>
+              <a:schemeClr val="bg1"/>
             </a:solidFill>
           </a:ln>
         </p:spPr>
@@ -5181,7 +5263,7 @@
           <a:noFill/>
           <a:ln>
             <a:solidFill>
-              <a:schemeClr val="tx1"/>
+              <a:schemeClr val="bg1"/>
             </a:solidFill>
           </a:ln>
         </p:spPr>
@@ -5233,7 +5315,7 @@
           <a:noFill/>
           <a:ln>
             <a:solidFill>
-              <a:schemeClr val="tx1"/>
+              <a:schemeClr val="bg1"/>
             </a:solidFill>
           </a:ln>
         </p:spPr>
@@ -5285,7 +5367,7 @@
           <a:noFill/>
           <a:ln>
             <a:solidFill>
-              <a:schemeClr val="tx1"/>
+              <a:schemeClr val="bg1"/>
             </a:solidFill>
           </a:ln>
         </p:spPr>
@@ -5337,7 +5419,7 @@
           <a:noFill/>
           <a:ln>
             <a:solidFill>
-              <a:schemeClr val="tx1"/>
+              <a:schemeClr val="bg1"/>
             </a:solidFill>
           </a:ln>
         </p:spPr>
@@ -5392,7 +5474,7 @@
           <a:noFill/>
           <a:ln>
             <a:solidFill>
-              <a:schemeClr val="tx1"/>
+              <a:schemeClr val="bg1"/>
             </a:solidFill>
           </a:ln>
         </p:spPr>
@@ -5453,29 +5535,49 @@
           <a:lstStyle/>
           <a:p>
             <a:r>
-              <a:rPr lang="ja-JP" altLang="en-US" dirty="0"/>
+              <a:rPr lang="ja-JP" altLang="en-US" dirty="0">
+                <a:solidFill>
+                  <a:schemeClr val="bg1"/>
+                </a:solidFill>
+              </a:rPr>
               <a:t>目的地に行くための経由地</a:t>
             </a:r>
-            <a:endParaRPr lang="en-US" altLang="ja-JP" dirty="0"/>
-          </a:p>
-          <a:p>
-            <a:r>
-              <a:rPr lang="ja-JP" altLang="en-US" dirty="0"/>
+            <a:endParaRPr lang="en-US" altLang="ja-JP" dirty="0">
+              <a:solidFill>
+                <a:schemeClr val="bg1"/>
+              </a:solidFill>
+            </a:endParaRPr>
+          </a:p>
+          <a:p>
+            <a:r>
+              <a:rPr lang="ja-JP" altLang="en-US" dirty="0">
+                <a:solidFill>
+                  <a:schemeClr val="bg1"/>
+                </a:solidFill>
+              </a:rPr>
               <a:t>開けるには</a:t>
             </a:r>
             <a:r>
+              <a:rPr lang="ja-JP" altLang="en-US" sz="1800" dirty="0">
+                <a:solidFill>
+                  <a:srgbClr val="FF0066"/>
+                </a:solidFill>
+              </a:rPr>
+              <a:t>ボット</a:t>
+            </a:r>
+            <a:r>
               <a:rPr lang="ja-JP" altLang="en-US" dirty="0">
                 <a:solidFill>
-                  <a:srgbClr val="FF0000"/>
-                </a:solidFill>
-              </a:rPr>
-              <a:t>ボット</a:t>
-            </a:r>
-            <a:r>
-              <a:rPr lang="ja-JP" altLang="en-US" dirty="0"/>
+                  <a:schemeClr val="bg1"/>
+                </a:solidFill>
+              </a:rPr>
               <a:t>が必要</a:t>
             </a:r>
-            <a:endParaRPr kumimoji="1" lang="ja-JP" altLang="en-US" dirty="0"/>
+            <a:endParaRPr kumimoji="1" lang="ja-JP" altLang="en-US" dirty="0">
+              <a:solidFill>
+                <a:schemeClr val="bg1"/>
+              </a:solidFill>
+            </a:endParaRPr>
           </a:p>
         </p:txBody>
       </p:sp>
@@ -5511,24 +5613,48 @@
           <a:lstStyle/>
           <a:p>
             <a:r>
-              <a:rPr lang="ja-JP" altLang="en-US" sz="2400" dirty="0"/>
+              <a:rPr lang="ja-JP" altLang="en-US" sz="2400" dirty="0">
+                <a:solidFill>
+                  <a:schemeClr val="bg1"/>
+                </a:solidFill>
+              </a:rPr>
               <a:t>・一定時間で敵が出てくるウェーブになる</a:t>
             </a:r>
-            <a:endParaRPr lang="en-US" altLang="ja-JP" sz="2400" dirty="0"/>
-          </a:p>
-          <a:p>
-            <a:r>
-              <a:rPr lang="ja-JP" altLang="en-US" sz="2400" dirty="0"/>
+            <a:endParaRPr lang="en-US" altLang="ja-JP" sz="2400" dirty="0">
+              <a:solidFill>
+                <a:schemeClr val="bg1"/>
+              </a:solidFill>
+            </a:endParaRPr>
+          </a:p>
+          <a:p>
+            <a:r>
+              <a:rPr lang="ja-JP" altLang="en-US" sz="2400" dirty="0">
+                <a:solidFill>
+                  <a:schemeClr val="bg1"/>
+                </a:solidFill>
+              </a:rPr>
               <a:t>　ウェーブ中はボットを壊されないように敵を</a:t>
             </a:r>
-            <a:endParaRPr lang="en-US" altLang="ja-JP" sz="2400" dirty="0"/>
-          </a:p>
-          <a:p>
-            <a:r>
-              <a:rPr lang="ja-JP" altLang="en-US" sz="2400" dirty="0"/>
+            <a:endParaRPr lang="en-US" altLang="ja-JP" sz="2400" dirty="0">
+              <a:solidFill>
+                <a:schemeClr val="bg1"/>
+              </a:solidFill>
+            </a:endParaRPr>
+          </a:p>
+          <a:p>
+            <a:r>
+              <a:rPr lang="ja-JP" altLang="en-US" sz="2400" dirty="0">
+                <a:solidFill>
+                  <a:schemeClr val="bg1"/>
+                </a:solidFill>
+              </a:rPr>
               <a:t>　すべて倒したら終わる</a:t>
             </a:r>
-            <a:endParaRPr lang="en-US" altLang="ja-JP" sz="2400" dirty="0"/>
+            <a:endParaRPr lang="en-US" altLang="ja-JP" sz="2400" dirty="0">
+              <a:solidFill>
+                <a:schemeClr val="bg1"/>
+              </a:solidFill>
+            </a:endParaRPr>
           </a:p>
         </p:txBody>
       </p:sp>
@@ -5558,7 +5684,7 @@
           <a:noFill/>
           <a:ln>
             <a:solidFill>
-              <a:schemeClr val="tx1"/>
+              <a:schemeClr val="bg1"/>
             </a:solidFill>
           </a:ln>
         </p:spPr>
@@ -5619,7 +5745,11 @@
           <a:lstStyle/>
           <a:p>
             <a:r>
-              <a:rPr kumimoji="1" lang="ja-JP" altLang="en-US" dirty="0"/>
+              <a:rPr kumimoji="1" lang="ja-JP" altLang="en-US" dirty="0">
+                <a:solidFill>
+                  <a:schemeClr val="bg1"/>
+                </a:solidFill>
+              </a:rPr>
               <a:t>敵の沸きポイント</a:t>
             </a:r>
           </a:p>
@@ -5659,38 +5789,26 @@
           <a:lstStyle/>
           <a:p>
             <a:r>
-              <a:rPr lang="ja-JP" altLang="en-US" sz="2400" dirty="0"/>
-              <a:t>・</a:t>
-            </a:r>
-            <a:r>
               <a:rPr lang="ja-JP" altLang="en-US" sz="2400" dirty="0">
                 <a:solidFill>
-                  <a:schemeClr val="accent6"/>
-                </a:solidFill>
-              </a:rPr>
-              <a:t>経由地</a:t>
-            </a:r>
-            <a:r>
-              <a:rPr lang="ja-JP" altLang="en-US" sz="2400" dirty="0"/>
-              <a:t>と</a:t>
-            </a:r>
+                  <a:schemeClr val="bg1"/>
+                </a:solidFill>
+              </a:rPr>
+              <a:t>・経由地と目的地を開くときは絶対にウェーブが始まり</a:t>
+            </a:r>
+            <a:endParaRPr lang="en-US" altLang="ja-JP" sz="2400" dirty="0">
+              <a:solidFill>
+                <a:schemeClr val="bg1"/>
+              </a:solidFill>
+            </a:endParaRPr>
+          </a:p>
+          <a:p>
             <a:r>
               <a:rPr lang="ja-JP" altLang="en-US" sz="2400" dirty="0">
                 <a:solidFill>
-                  <a:srgbClr val="FF0000"/>
-                </a:solidFill>
-              </a:rPr>
-              <a:t>目的地</a:t>
-            </a:r>
-            <a:r>
-              <a:rPr lang="ja-JP" altLang="en-US" sz="2400" dirty="0"/>
-              <a:t>を開くときは絶対にウェーブが始まり</a:t>
-            </a:r>
-            <a:endParaRPr lang="en-US" altLang="ja-JP" sz="2400" dirty="0"/>
-          </a:p>
-          <a:p>
-            <a:r>
-              <a:rPr lang="ja-JP" altLang="en-US" sz="2400" dirty="0"/>
+                  <a:schemeClr val="bg1"/>
+                </a:solidFill>
+              </a:rPr>
               <a:t>　　</a:t>
             </a:r>
             <a:r>
@@ -5702,11 +5820,19 @@
               <a:t>ボット</a:t>
             </a:r>
             <a:r>
-              <a:rPr lang="ja-JP" altLang="en-US" sz="2400" dirty="0"/>
+              <a:rPr lang="ja-JP" altLang="en-US" sz="2400" dirty="0">
+                <a:solidFill>
+                  <a:schemeClr val="bg1"/>
+                </a:solidFill>
+              </a:rPr>
               <a:t>が場所に自動で行く</a:t>
             </a:r>
             <a:r>
-              <a:rPr lang="en-US" altLang="ja-JP" sz="2400" dirty="0"/>
+              <a:rPr lang="en-US" altLang="ja-JP" sz="2400" dirty="0">
+                <a:solidFill>
+                  <a:schemeClr val="bg1"/>
+                </a:solidFill>
+              </a:rPr>
               <a:t>(</a:t>
             </a:r>
             <a:r>
@@ -5718,62 +5844,90 @@
               <a:t>ボット</a:t>
             </a:r>
             <a:r>
-              <a:rPr lang="ja-JP" altLang="en-US" sz="2400" dirty="0"/>
+              <a:rPr lang="ja-JP" altLang="en-US" sz="2400" dirty="0">
+                <a:solidFill>
+                  <a:schemeClr val="bg1"/>
+                </a:solidFill>
+              </a:rPr>
               <a:t>の移動速度は遅い</a:t>
             </a:r>
             <a:r>
-              <a:rPr lang="en-US" altLang="ja-JP" sz="2400" dirty="0"/>
+              <a:rPr lang="en-US" altLang="ja-JP" sz="2400" dirty="0">
+                <a:solidFill>
+                  <a:schemeClr val="bg1"/>
+                </a:solidFill>
+              </a:rPr>
               <a:t>)</a:t>
             </a:r>
           </a:p>
           <a:p>
             <a:r>
-              <a:rPr lang="ja-JP" altLang="en-US" sz="2400" dirty="0"/>
-              <a:t>・終了条件（</a:t>
-            </a:r>
-            <a:r>
               <a:rPr lang="ja-JP" altLang="en-US" sz="2400" dirty="0">
                 <a:solidFill>
-                  <a:schemeClr val="accent6"/>
-                </a:solidFill>
-              </a:rPr>
-              <a:t>経由地</a:t>
-            </a:r>
-            <a:r>
-              <a:rPr lang="ja-JP" altLang="en-US" sz="2400" dirty="0"/>
-              <a:t>は開いて敵を全て倒し終わるとウェーブ終了）</a:t>
-            </a:r>
-            <a:endParaRPr lang="en-US" altLang="ja-JP" sz="2400" dirty="0"/>
-          </a:p>
-          <a:p>
-            <a:r>
-              <a:rPr lang="en-US" altLang="ja-JP" sz="2400" dirty="0"/>
+                  <a:schemeClr val="bg1"/>
+                </a:solidFill>
+              </a:rPr>
+              <a:t>・終了条件（経由地は開いて敵を全て倒し終わるとウェーブ終了）</a:t>
+            </a:r>
+            <a:endParaRPr lang="en-US" altLang="ja-JP" sz="2400" dirty="0">
+              <a:solidFill>
+                <a:schemeClr val="bg1"/>
+              </a:solidFill>
+            </a:endParaRPr>
+          </a:p>
+          <a:p>
+            <a:r>
+              <a:rPr lang="en-US" altLang="ja-JP" sz="2400" dirty="0">
+                <a:solidFill>
+                  <a:schemeClr val="bg1"/>
+                </a:solidFill>
+              </a:rPr>
               <a:t>	</a:t>
             </a:r>
             <a:r>
-              <a:rPr lang="ja-JP" altLang="en-US" sz="2400" dirty="0"/>
-              <a:t>　　（</a:t>
-            </a:r>
-            <a:r>
               <a:rPr lang="ja-JP" altLang="en-US" sz="2400" dirty="0">
                 <a:solidFill>
-                  <a:srgbClr val="FF0000"/>
-                </a:solidFill>
-              </a:rPr>
-              <a:t>目的地</a:t>
-            </a:r>
-            <a:r>
-              <a:rPr lang="ja-JP" altLang="en-US" sz="2400" dirty="0"/>
-              <a:t>は開くとウェーブ終了し、その階層はクリア）</a:t>
-            </a:r>
-            <a:endParaRPr lang="en-US" altLang="ja-JP" sz="2400" dirty="0"/>
-          </a:p>
-          <a:p>
-            <a:r>
-              <a:rPr lang="ja-JP" altLang="en-US" sz="2400" dirty="0"/>
-              <a:t>*ボットが扉を開くには時間がかかる</a:t>
-            </a:r>
-            <a:endParaRPr lang="en-US" altLang="ja-JP" sz="2400" dirty="0"/>
+                  <a:schemeClr val="bg1"/>
+                </a:solidFill>
+              </a:rPr>
+              <a:t>　　（目的地は開くとウェーブ終了し、その階層はクリア）</a:t>
+            </a:r>
+            <a:endParaRPr lang="en-US" altLang="ja-JP" sz="2400" dirty="0">
+              <a:solidFill>
+                <a:schemeClr val="bg1"/>
+              </a:solidFill>
+            </a:endParaRPr>
+          </a:p>
+          <a:p>
+            <a:r>
+              <a:rPr lang="ja-JP" altLang="en-US" sz="2400" dirty="0">
+                <a:solidFill>
+                  <a:schemeClr val="bg1"/>
+                </a:solidFill>
+              </a:rPr>
+              <a:t>*</a:t>
+            </a:r>
+            <a:r>
+              <a:rPr lang="ja-JP" altLang="en-US" sz="2400" dirty="0">
+                <a:solidFill>
+                  <a:srgbClr val="FF0066"/>
+                </a:solidFill>
+              </a:rPr>
+              <a:t>ボット</a:t>
+            </a:r>
+            <a:r>
+              <a:rPr lang="ja-JP" altLang="en-US" sz="2400" dirty="0">
+                <a:solidFill>
+                  <a:schemeClr val="bg1"/>
+                </a:solidFill>
+              </a:rPr>
+              <a:t>が扉を開くには時間がかかる</a:t>
+            </a:r>
+            <a:endParaRPr lang="en-US" altLang="ja-JP" sz="2400" dirty="0">
+              <a:solidFill>
+                <a:schemeClr val="bg1"/>
+              </a:solidFill>
+            </a:endParaRPr>
           </a:p>
         </p:txBody>
       </p:sp>
@@ -5856,7 +6010,7 @@
           <a:noFill/>
           <a:ln>
             <a:solidFill>
-              <a:schemeClr val="tx1"/>
+              <a:schemeClr val="bg1"/>
             </a:solidFill>
           </a:ln>
         </p:spPr>
@@ -5908,7 +6062,7 @@
           <a:noFill/>
           <a:ln>
             <a:solidFill>
-              <a:schemeClr val="tx1"/>
+              <a:schemeClr val="bg1"/>
             </a:solidFill>
           </a:ln>
         </p:spPr>
@@ -5967,6 +6121,42 @@
           <a:chExt cx="0" cy="0"/>
         </a:xfrm>
       </p:grpSpPr>
+      <p:pic>
+        <p:nvPicPr>
+          <p:cNvPr id="10" name="図 9">
+            <a:extLst>
+              <a:ext uri="{FF2B5EF4-FFF2-40B4-BE49-F238E27FC236}">
+                <a16:creationId xmlns:a16="http://schemas.microsoft.com/office/drawing/2014/main" id="{EC7C6FCE-A688-48BD-A02C-88C8993A1905}"/>
+              </a:ext>
+            </a:extLst>
+          </p:cNvPr>
+          <p:cNvPicPr>
+            <a:picLocks noChangeAspect="1"/>
+          </p:cNvPicPr>
+          <p:nvPr/>
+        </p:nvPicPr>
+        <p:blipFill>
+          <a:blip r:embed="rId2" cstate="print">
+            <a:extLst>
+              <a:ext uri="{28A0092B-C50C-407E-A947-70E740481C1C}">
+                <a14:useLocalDpi xmlns:a14="http://schemas.microsoft.com/office/drawing/2010/main" val="0"/>
+              </a:ext>
+            </a:extLst>
+          </a:blip>
+          <a:stretch>
+            <a:fillRect/>
+          </a:stretch>
+        </p:blipFill>
+        <p:spPr>
+          <a:xfrm>
+            <a:off x="-23600" y="0"/>
+            <a:ext cx="12215600" cy="6858000"/>
+          </a:xfrm>
+          <a:prstGeom prst="rect">
+            <a:avLst/>
+          </a:prstGeom>
+        </p:spPr>
+      </p:pic>
       <p:sp>
         <p:nvSpPr>
           <p:cNvPr id="3" name="テキスト ボックス 2">
@@ -6022,14 +6212,14 @@
         </p:nvSpPr>
         <p:spPr>
           <a:xfrm>
-            <a:off x="1019430" y="5792197"/>
+            <a:off x="3719736" y="5792864"/>
             <a:ext cx="5040560" cy="830997"/>
           </a:xfrm>
           <a:prstGeom prst="rect">
             <a:avLst/>
           </a:prstGeom>
           <a:noFill/>
-          <a:ln>
+          <a:ln w="28575">
             <a:solidFill>
               <a:srgbClr val="FF0000"/>
             </a:solidFill>
@@ -6042,25 +6232,49 @@
           <a:lstStyle/>
           <a:p>
             <a:r>
-              <a:rPr lang="ja-JP" altLang="en-US" sz="2400" dirty="0"/>
+              <a:rPr lang="ja-JP" altLang="en-US" sz="2400" dirty="0">
+                <a:solidFill>
+                  <a:schemeClr val="bg1"/>
+                </a:solidFill>
+              </a:rPr>
               <a:t>アタッカー、タンク、サポートの</a:t>
             </a:r>
             <a:r>
-              <a:rPr lang="en-US" altLang="ja-JP" sz="2400" dirty="0"/>
+              <a:rPr lang="en-US" altLang="ja-JP" sz="2400" dirty="0">
+                <a:solidFill>
+                  <a:schemeClr val="bg1"/>
+                </a:solidFill>
+              </a:rPr>
               <a:t>3</a:t>
             </a:r>
             <a:r>
-              <a:rPr lang="ja-JP" altLang="en-US" sz="2400" dirty="0"/>
+              <a:rPr lang="ja-JP" altLang="en-US" sz="2400" dirty="0">
+                <a:solidFill>
+                  <a:schemeClr val="bg1"/>
+                </a:solidFill>
+              </a:rPr>
               <a:t>種類</a:t>
             </a:r>
-            <a:endParaRPr lang="en-US" altLang="ja-JP" sz="2400" dirty="0"/>
-          </a:p>
-          <a:p>
-            <a:r>
-              <a:rPr lang="ja-JP" altLang="en-US" sz="2400" dirty="0"/>
-              <a:t>役職によって体力・攻撃力を変える</a:t>
-            </a:r>
-            <a:endParaRPr lang="en-US" altLang="ja-JP" sz="2400" dirty="0"/>
+            <a:endParaRPr lang="en-US" altLang="ja-JP" sz="2400" dirty="0">
+              <a:solidFill>
+                <a:schemeClr val="bg1"/>
+              </a:solidFill>
+            </a:endParaRPr>
+          </a:p>
+          <a:p>
+            <a:r>
+              <a:rPr lang="ja-JP" altLang="en-US" sz="2400" dirty="0">
+                <a:solidFill>
+                  <a:schemeClr val="bg1"/>
+                </a:solidFill>
+              </a:rPr>
+              <a:t>役職によって体力・攻撃力が違う</a:t>
+            </a:r>
+            <a:endParaRPr lang="en-US" altLang="ja-JP" sz="2400" dirty="0">
+              <a:solidFill>
+                <a:schemeClr val="bg1"/>
+              </a:solidFill>
+            </a:endParaRPr>
           </a:p>
         </p:txBody>
       </p:sp>
@@ -6078,8 +6292,8 @@
         </p:nvSpPr>
         <p:spPr>
           <a:xfrm>
-            <a:off x="839416" y="1785732"/>
-            <a:ext cx="6696744" cy="461665"/>
+            <a:off x="868993" y="1785732"/>
+            <a:ext cx="6595159" cy="461665"/>
           </a:xfrm>
           <a:prstGeom prst="rect">
             <a:avLst/>
@@ -6096,10 +6310,18 @@
           <a:lstStyle/>
           <a:p>
             <a:r>
-              <a:rPr lang="ja-JP" altLang="en-US" sz="2400" dirty="0"/>
+              <a:rPr lang="ja-JP" altLang="en-US" sz="2400" dirty="0">
+                <a:solidFill>
+                  <a:schemeClr val="bg1"/>
+                </a:solidFill>
+              </a:rPr>
               <a:t>・ゲーム開始前に使いたいキャラクターを選択する</a:t>
             </a:r>
-            <a:endParaRPr lang="en-US" altLang="ja-JP" sz="2400" dirty="0"/>
+            <a:endParaRPr lang="en-US" altLang="ja-JP" sz="2400" dirty="0">
+              <a:solidFill>
+                <a:schemeClr val="bg1"/>
+              </a:solidFill>
+            </a:endParaRPr>
           </a:p>
         </p:txBody>
       </p:sp>
@@ -6117,7 +6339,7 @@
         </p:nvSpPr>
         <p:spPr>
           <a:xfrm>
-            <a:off x="836455" y="2222101"/>
+            <a:off x="868993" y="2247397"/>
             <a:ext cx="7821258" cy="461665"/>
           </a:xfrm>
           <a:prstGeom prst="rect">
@@ -6135,18 +6357,34 @@
           <a:lstStyle/>
           <a:p>
             <a:r>
-              <a:rPr lang="ja-JP" altLang="en-US" sz="2400" dirty="0"/>
+              <a:rPr lang="ja-JP" altLang="en-US" sz="2400" dirty="0">
+                <a:solidFill>
+                  <a:schemeClr val="bg1"/>
+                </a:solidFill>
+              </a:rPr>
               <a:t>・操作キャラクターは</a:t>
             </a:r>
             <a:r>
-              <a:rPr lang="en-US" altLang="ja-JP" sz="2400" dirty="0"/>
+              <a:rPr lang="en-US" altLang="ja-JP" sz="2400" dirty="0">
+                <a:solidFill>
+                  <a:schemeClr val="bg1"/>
+                </a:solidFill>
+              </a:rPr>
               <a:t>NPC</a:t>
             </a:r>
             <a:r>
-              <a:rPr lang="ja-JP" altLang="en-US" sz="2400" dirty="0"/>
+              <a:rPr lang="ja-JP" altLang="en-US" sz="2400" dirty="0">
+                <a:solidFill>
+                  <a:schemeClr val="bg1"/>
+                </a:solidFill>
+              </a:rPr>
               <a:t>のキャラクターと常時交代ができる</a:t>
             </a:r>
-            <a:endParaRPr lang="en-US" altLang="ja-JP" sz="2400" dirty="0"/>
+            <a:endParaRPr lang="en-US" altLang="ja-JP" sz="2400" dirty="0">
+              <a:solidFill>
+                <a:schemeClr val="bg1"/>
+              </a:solidFill>
+            </a:endParaRPr>
           </a:p>
         </p:txBody>
       </p:sp>
@@ -6164,8 +6402,8 @@
         </p:nvSpPr>
         <p:spPr>
           <a:xfrm>
-            <a:off x="839416" y="1260076"/>
-            <a:ext cx="5888550" cy="461665"/>
+            <a:off x="868993" y="1270793"/>
+            <a:ext cx="5371023" cy="461665"/>
           </a:xfrm>
           <a:prstGeom prst="rect">
             <a:avLst/>
@@ -6182,34 +6420,66 @@
           <a:lstStyle/>
           <a:p>
             <a:r>
-              <a:rPr lang="ja-JP" altLang="en-US" sz="2400" dirty="0"/>
+              <a:rPr lang="ja-JP" altLang="en-US" sz="2400" dirty="0">
+                <a:solidFill>
+                  <a:schemeClr val="bg1"/>
+                </a:solidFill>
+              </a:rPr>
               <a:t>・</a:t>
             </a:r>
             <a:r>
-              <a:rPr lang="en-US" altLang="ja-JP" sz="2400" dirty="0"/>
+              <a:rPr lang="en-US" altLang="ja-JP" sz="2400" dirty="0">
+                <a:solidFill>
+                  <a:schemeClr val="bg1"/>
+                </a:solidFill>
+              </a:rPr>
               <a:t>1</a:t>
             </a:r>
             <a:r>
-              <a:rPr lang="ja-JP" altLang="en-US" sz="2400" dirty="0"/>
+              <a:rPr lang="ja-JP" altLang="en-US" sz="2400" dirty="0">
+                <a:solidFill>
+                  <a:schemeClr val="bg1"/>
+                </a:solidFill>
+              </a:rPr>
               <a:t>人プレイ（</a:t>
             </a:r>
             <a:r>
-              <a:rPr lang="en-US" altLang="ja-JP" sz="2400" dirty="0"/>
+              <a:rPr lang="en-US" altLang="ja-JP" sz="2400" dirty="0">
+                <a:solidFill>
+                  <a:schemeClr val="bg1"/>
+                </a:solidFill>
+              </a:rPr>
               <a:t>1</a:t>
             </a:r>
             <a:r>
-              <a:rPr lang="ja-JP" altLang="en-US" sz="2400" dirty="0"/>
+              <a:rPr lang="ja-JP" altLang="en-US" sz="2400" dirty="0">
+                <a:solidFill>
+                  <a:schemeClr val="bg1"/>
+                </a:solidFill>
+              </a:rPr>
               <a:t>人の</a:t>
             </a:r>
             <a:r>
-              <a:rPr lang="en-US" altLang="ja-JP" sz="2400" dirty="0"/>
+              <a:rPr lang="en-US" altLang="ja-JP" sz="2400" dirty="0">
+                <a:solidFill>
+                  <a:schemeClr val="bg1"/>
+                </a:solidFill>
+              </a:rPr>
               <a:t>NPC</a:t>
             </a:r>
             <a:r>
-              <a:rPr lang="ja-JP" altLang="en-US" sz="2400" dirty="0"/>
+              <a:rPr lang="ja-JP" altLang="en-US" sz="2400" dirty="0">
+                <a:solidFill>
+                  <a:schemeClr val="bg1"/>
+                </a:solidFill>
+              </a:rPr>
               <a:t>とともに行動する）</a:t>
             </a:r>
-            <a:endParaRPr lang="en-US" altLang="ja-JP" sz="2400" dirty="0"/>
+            <a:endParaRPr lang="en-US" altLang="ja-JP" sz="2400" dirty="0">
+              <a:solidFill>
+                <a:schemeClr val="bg1"/>
+              </a:solidFill>
+            </a:endParaRPr>
           </a:p>
         </p:txBody>
       </p:sp>
@@ -6227,7 +6497,7 @@
         </p:nvSpPr>
         <p:spPr>
           <a:xfrm>
-            <a:off x="868993" y="2711860"/>
+            <a:off x="868993" y="2837357"/>
             <a:ext cx="6675050" cy="1200329"/>
           </a:xfrm>
           <a:prstGeom prst="rect">
@@ -6245,40 +6515,80 @@
           <a:lstStyle/>
           <a:p>
             <a:r>
-              <a:rPr lang="ja-JP" altLang="en-US" sz="2400" dirty="0"/>
+              <a:rPr lang="ja-JP" altLang="en-US" sz="2400" dirty="0">
+                <a:solidFill>
+                  <a:schemeClr val="bg1"/>
+                </a:solidFill>
+              </a:rPr>
               <a:t>・</a:t>
             </a:r>
             <a:r>
-              <a:rPr lang="en-US" altLang="ja-JP" sz="2400" dirty="0"/>
+              <a:rPr lang="en-US" altLang="ja-JP" sz="2400" dirty="0">
+                <a:solidFill>
+                  <a:schemeClr val="bg1"/>
+                </a:solidFill>
+              </a:rPr>
               <a:t> NPC</a:t>
             </a:r>
             <a:r>
-              <a:rPr lang="ja-JP" altLang="en-US" sz="2400" dirty="0"/>
+              <a:rPr lang="ja-JP" altLang="en-US" sz="2400" dirty="0">
+                <a:solidFill>
+                  <a:schemeClr val="bg1"/>
+                </a:solidFill>
+              </a:rPr>
               <a:t>のキャラクターが死んでいないとき</a:t>
             </a:r>
-            <a:endParaRPr lang="en-US" altLang="ja-JP" sz="2400" dirty="0"/>
-          </a:p>
-          <a:p>
-            <a:r>
-              <a:rPr lang="ja-JP" altLang="en-US" sz="2400" dirty="0"/>
+            <a:endParaRPr lang="en-US" altLang="ja-JP" sz="2400" dirty="0">
+              <a:solidFill>
+                <a:schemeClr val="bg1"/>
+              </a:solidFill>
+            </a:endParaRPr>
+          </a:p>
+          <a:p>
+            <a:r>
+              <a:rPr lang="ja-JP" altLang="en-US" sz="2400" dirty="0">
+                <a:solidFill>
+                  <a:schemeClr val="bg1"/>
+                </a:solidFill>
+              </a:rPr>
               <a:t>　操作キャラクターが死ぬと、</a:t>
             </a:r>
             <a:r>
-              <a:rPr lang="en-US" altLang="ja-JP" sz="2400" dirty="0"/>
+              <a:rPr lang="en-US" altLang="ja-JP" sz="2400" dirty="0">
+                <a:solidFill>
+                  <a:schemeClr val="bg1"/>
+                </a:solidFill>
+              </a:rPr>
               <a:t>NPC</a:t>
             </a:r>
             <a:r>
-              <a:rPr lang="ja-JP" altLang="en-US" sz="2400" dirty="0"/>
+              <a:rPr lang="ja-JP" altLang="en-US" sz="2400" dirty="0">
+                <a:solidFill>
+                  <a:schemeClr val="bg1"/>
+                </a:solidFill>
+              </a:rPr>
               <a:t>のキャラクターと</a:t>
             </a:r>
-            <a:endParaRPr lang="en-US" altLang="ja-JP" sz="2400" dirty="0"/>
-          </a:p>
-          <a:p>
-            <a:r>
-              <a:rPr lang="ja-JP" altLang="en-US" sz="2400" dirty="0"/>
+            <a:endParaRPr lang="en-US" altLang="ja-JP" sz="2400" dirty="0">
+              <a:solidFill>
+                <a:schemeClr val="bg1"/>
+              </a:solidFill>
+            </a:endParaRPr>
+          </a:p>
+          <a:p>
+            <a:r>
+              <a:rPr lang="ja-JP" altLang="en-US" sz="2400" dirty="0">
+                <a:solidFill>
+                  <a:schemeClr val="bg1"/>
+                </a:solidFill>
+              </a:rPr>
               <a:t>　交代される</a:t>
             </a:r>
-            <a:endParaRPr lang="en-US" altLang="ja-JP" sz="2400" dirty="0"/>
+            <a:endParaRPr lang="en-US" altLang="ja-JP" sz="2400" dirty="0">
+              <a:solidFill>
+                <a:schemeClr val="bg1"/>
+              </a:solidFill>
+            </a:endParaRPr>
           </a:p>
         </p:txBody>
       </p:sp>
@@ -6296,8 +6606,8 @@
         </p:nvSpPr>
         <p:spPr>
           <a:xfrm>
-            <a:off x="823119" y="4178198"/>
-            <a:ext cx="6675050" cy="830997"/>
+            <a:off x="868993" y="4174235"/>
+            <a:ext cx="5888550" cy="830997"/>
           </a:xfrm>
           <a:prstGeom prst="rect">
             <a:avLst/>
@@ -6314,41 +6624,81 @@
           <a:lstStyle/>
           <a:p>
             <a:r>
-              <a:rPr lang="ja-JP" altLang="en-US" sz="2400" dirty="0"/>
+              <a:rPr lang="ja-JP" altLang="en-US" sz="2400" dirty="0">
+                <a:solidFill>
+                  <a:schemeClr val="bg1"/>
+                </a:solidFill>
+              </a:rPr>
               <a:t>・</a:t>
             </a:r>
             <a:r>
-              <a:rPr lang="en-US" altLang="ja-JP" sz="2400" dirty="0"/>
+              <a:rPr lang="en-US" altLang="ja-JP" sz="2400" dirty="0">
+                <a:solidFill>
+                  <a:schemeClr val="bg1"/>
+                </a:solidFill>
+              </a:rPr>
               <a:t> </a:t>
             </a:r>
             <a:r>
-              <a:rPr lang="ja-JP" altLang="en-US" sz="2400" dirty="0"/>
+              <a:rPr lang="ja-JP" altLang="en-US" sz="2400" dirty="0">
+                <a:solidFill>
+                  <a:schemeClr val="bg1"/>
+                </a:solidFill>
+              </a:rPr>
               <a:t>倒れている味方は復活させることができる</a:t>
             </a:r>
-            <a:endParaRPr lang="en-US" altLang="ja-JP" sz="2400" dirty="0"/>
-          </a:p>
-          <a:p>
-            <a:r>
-              <a:rPr lang="ja-JP" altLang="en-US" sz="2400" dirty="0"/>
+            <a:endParaRPr lang="en-US" altLang="ja-JP" sz="2400" dirty="0">
+              <a:solidFill>
+                <a:schemeClr val="bg1"/>
+              </a:solidFill>
+            </a:endParaRPr>
+          </a:p>
+          <a:p>
+            <a:r>
+              <a:rPr lang="ja-JP" altLang="en-US" sz="2400" dirty="0">
+                <a:solidFill>
+                  <a:schemeClr val="bg1"/>
+                </a:solidFill>
+              </a:rPr>
               <a:t>　（</a:t>
             </a:r>
             <a:r>
-              <a:rPr lang="en-US" altLang="ja-JP" sz="2400" dirty="0"/>
+              <a:rPr lang="en-US" altLang="ja-JP" sz="2400" dirty="0">
+                <a:solidFill>
+                  <a:schemeClr val="bg1"/>
+                </a:solidFill>
+              </a:rPr>
               <a:t>HP</a:t>
             </a:r>
             <a:r>
-              <a:rPr lang="ja-JP" altLang="en-US" sz="2400" dirty="0"/>
+              <a:rPr lang="ja-JP" altLang="en-US" sz="2400" dirty="0">
+                <a:solidFill>
+                  <a:schemeClr val="bg1"/>
+                </a:solidFill>
+              </a:rPr>
               <a:t>は１</a:t>
             </a:r>
             <a:r>
-              <a:rPr lang="en-US" altLang="ja-JP" sz="2400" dirty="0"/>
+              <a:rPr lang="en-US" altLang="ja-JP" sz="2400" dirty="0">
+                <a:solidFill>
+                  <a:schemeClr val="bg1"/>
+                </a:solidFill>
+              </a:rPr>
               <a:t>/</a:t>
             </a:r>
             <a:r>
-              <a:rPr lang="ja-JP" altLang="en-US" sz="2400" dirty="0"/>
+              <a:rPr lang="ja-JP" altLang="en-US" sz="2400" dirty="0">
+                <a:solidFill>
+                  <a:schemeClr val="bg1"/>
+                </a:solidFill>
+              </a:rPr>
               <a:t>４程度からスタートになる）</a:t>
             </a:r>
-            <a:endParaRPr lang="en-US" altLang="ja-JP" sz="2400" dirty="0"/>
+            <a:endParaRPr lang="en-US" altLang="ja-JP" sz="2400" dirty="0">
+              <a:solidFill>
+                <a:schemeClr val="bg1"/>
+              </a:solidFill>
+            </a:endParaRPr>
           </a:p>
         </p:txBody>
       </p:sp>
@@ -6367,7 +6717,7 @@
         <p:spPr>
           <a:xfrm>
             <a:off x="868993" y="5140223"/>
-            <a:ext cx="6675050" cy="461665"/>
+            <a:ext cx="5227007" cy="461665"/>
           </a:xfrm>
           <a:prstGeom prst="rect">
             <a:avLst/>
@@ -6384,18 +6734,34 @@
           <a:lstStyle/>
           <a:p>
             <a:r>
-              <a:rPr lang="ja-JP" altLang="en-US" sz="2400" dirty="0"/>
+              <a:rPr lang="ja-JP" altLang="en-US" sz="2400" dirty="0">
+                <a:solidFill>
+                  <a:schemeClr val="bg1"/>
+                </a:solidFill>
+              </a:rPr>
               <a:t>・</a:t>
             </a:r>
             <a:r>
-              <a:rPr lang="en-US" altLang="ja-JP" sz="2400" dirty="0"/>
+              <a:rPr lang="en-US" altLang="ja-JP" sz="2400" dirty="0">
+                <a:solidFill>
+                  <a:schemeClr val="bg1"/>
+                </a:solidFill>
+              </a:rPr>
               <a:t> </a:t>
             </a:r>
             <a:r>
-              <a:rPr lang="ja-JP" altLang="en-US" sz="2400" dirty="0"/>
+              <a:rPr lang="ja-JP" altLang="en-US" sz="2400" dirty="0">
+                <a:solidFill>
+                  <a:schemeClr val="bg1"/>
+                </a:solidFill>
+              </a:rPr>
               <a:t>どちらも死ぬとゲームオーバーとなる</a:t>
             </a:r>
-            <a:endParaRPr lang="en-US" altLang="ja-JP" sz="2400" dirty="0"/>
+            <a:endParaRPr lang="en-US" altLang="ja-JP" sz="2400" dirty="0">
+              <a:solidFill>
+                <a:schemeClr val="bg1"/>
+              </a:solidFill>
+            </a:endParaRPr>
           </a:p>
         </p:txBody>
       </p:sp>
@@ -6429,6 +6795,42 @@
           <a:chExt cx="0" cy="0"/>
         </a:xfrm>
       </p:grpSpPr>
+      <p:pic>
+        <p:nvPicPr>
+          <p:cNvPr id="7" name="図 6">
+            <a:extLst>
+              <a:ext uri="{FF2B5EF4-FFF2-40B4-BE49-F238E27FC236}">
+                <a16:creationId xmlns:a16="http://schemas.microsoft.com/office/drawing/2014/main" id="{960091B0-8E6F-448C-9738-E78510C21C8A}"/>
+              </a:ext>
+            </a:extLst>
+          </p:cNvPr>
+          <p:cNvPicPr>
+            <a:picLocks noChangeAspect="1"/>
+          </p:cNvPicPr>
+          <p:nvPr/>
+        </p:nvPicPr>
+        <p:blipFill>
+          <a:blip r:embed="rId2" cstate="print">
+            <a:extLst>
+              <a:ext uri="{28A0092B-C50C-407E-A947-70E740481C1C}">
+                <a14:useLocalDpi xmlns:a14="http://schemas.microsoft.com/office/drawing/2010/main" val="0"/>
+              </a:ext>
+            </a:extLst>
+          </a:blip>
+          <a:stretch>
+            <a:fillRect/>
+          </a:stretch>
+        </p:blipFill>
+        <p:spPr>
+          <a:xfrm>
+            <a:off x="0" y="0"/>
+            <a:ext cx="12215600" cy="6858000"/>
+          </a:xfrm>
+          <a:prstGeom prst="rect">
+            <a:avLst/>
+          </a:prstGeom>
+        </p:spPr>
+      </p:pic>
       <p:sp>
         <p:nvSpPr>
           <p:cNvPr id="2" name="テキスト ボックス 1">
@@ -6483,16 +6885,16 @@
         </p:nvSpPr>
         <p:spPr>
           <a:xfrm>
-            <a:off x="1991544" y="2525889"/>
-            <a:ext cx="8280920" cy="1569660"/>
+            <a:off x="3083464" y="2644170"/>
+            <a:ext cx="6048672" cy="1569660"/>
           </a:xfrm>
           <a:prstGeom prst="rect">
             <a:avLst/>
           </a:prstGeom>
           <a:noFill/>
-          <a:ln>
+          <a:ln w="38100">
             <a:solidFill>
-              <a:schemeClr val="tx1"/>
+              <a:srgbClr val="FFFF00"/>
             </a:solidFill>
           </a:ln>
         </p:spPr>
@@ -6503,24 +6905,48 @@
           <a:lstStyle/>
           <a:p>
             <a:r>
-              <a:rPr lang="ja-JP" altLang="en-US" sz="3200" dirty="0"/>
+              <a:rPr lang="ja-JP" altLang="en-US" sz="3200" dirty="0">
+                <a:solidFill>
+                  <a:schemeClr val="bg1"/>
+                </a:solidFill>
+              </a:rPr>
               <a:t>・近接攻撃</a:t>
             </a:r>
-            <a:endParaRPr lang="en-US" altLang="ja-JP" sz="3200" dirty="0"/>
-          </a:p>
-          <a:p>
-            <a:r>
-              <a:rPr lang="ja-JP" altLang="en-US" sz="3200" dirty="0"/>
+            <a:endParaRPr lang="en-US" altLang="ja-JP" sz="3200" dirty="0">
+              <a:solidFill>
+                <a:schemeClr val="bg1"/>
+              </a:solidFill>
+            </a:endParaRPr>
+          </a:p>
+          <a:p>
+            <a:r>
+              <a:rPr lang="ja-JP" altLang="en-US" sz="3200" dirty="0">
+                <a:solidFill>
+                  <a:schemeClr val="bg1"/>
+                </a:solidFill>
+              </a:rPr>
               <a:t>・遠距離攻撃</a:t>
             </a:r>
-            <a:endParaRPr lang="en-US" altLang="ja-JP" sz="3200" dirty="0"/>
-          </a:p>
-          <a:p>
-            <a:r>
-              <a:rPr lang="ja-JP" altLang="en-US" sz="3200" dirty="0"/>
-              <a:t>体力は多い敵と少ない敵がいる</a:t>
-            </a:r>
-            <a:endParaRPr lang="en-US" altLang="ja-JP" sz="3200" dirty="0"/>
+            <a:endParaRPr lang="en-US" altLang="ja-JP" sz="3200" dirty="0">
+              <a:solidFill>
+                <a:schemeClr val="bg1"/>
+              </a:solidFill>
+            </a:endParaRPr>
+          </a:p>
+          <a:p>
+            <a:r>
+              <a:rPr lang="ja-JP" altLang="en-US" sz="3200" dirty="0">
+                <a:solidFill>
+                  <a:schemeClr val="bg1"/>
+                </a:solidFill>
+              </a:rPr>
+              <a:t>（体力は多い敵と少ない敵がいる）</a:t>
+            </a:r>
+            <a:endParaRPr lang="en-US" altLang="ja-JP" sz="3200" dirty="0">
+              <a:solidFill>
+                <a:schemeClr val="bg1"/>
+              </a:solidFill>
+            </a:endParaRPr>
           </a:p>
         </p:txBody>
       </p:sp>
@@ -6538,17 +6964,15 @@
         </p:nvSpPr>
         <p:spPr>
           <a:xfrm>
-            <a:off x="1991544" y="4293096"/>
-            <a:ext cx="8280920" cy="1077218"/>
+            <a:off x="1739516" y="5097747"/>
+            <a:ext cx="8712968" cy="584775"/>
           </a:xfrm>
           <a:prstGeom prst="rect">
             <a:avLst/>
           </a:prstGeom>
           <a:noFill/>
           <a:ln>
-            <a:solidFill>
-              <a:schemeClr val="tx1"/>
-            </a:solidFill>
+            <a:noFill/>
           </a:ln>
         </p:spPr>
         <p:txBody>
@@ -6558,17 +6982,18 @@
           <a:lstStyle/>
           <a:p>
             <a:r>
-              <a:rPr lang="ja-JP" altLang="en-US" sz="3200" dirty="0"/>
-              <a:t>フロアを進むごとに、体力と攻撃力が</a:t>
-            </a:r>
-            <a:endParaRPr lang="en-US" altLang="ja-JP" sz="3200" dirty="0"/>
-          </a:p>
-          <a:p>
-            <a:r>
-              <a:rPr lang="ja-JP" altLang="en-US" sz="3200" dirty="0"/>
-              <a:t>上がっていく</a:t>
-            </a:r>
-            <a:endParaRPr lang="en-US" altLang="ja-JP" sz="3200" dirty="0"/>
+              <a:rPr lang="ja-JP" altLang="en-US" sz="3200" dirty="0">
+                <a:solidFill>
+                  <a:schemeClr val="bg1"/>
+                </a:solidFill>
+              </a:rPr>
+              <a:t>フロアを進むごとに、体力と攻撃力が上がっていく</a:t>
+            </a:r>
+            <a:endParaRPr lang="en-US" altLang="ja-JP" sz="3200" dirty="0">
+              <a:solidFill>
+                <a:schemeClr val="bg1"/>
+              </a:solidFill>
+            </a:endParaRPr>
           </a:p>
         </p:txBody>
       </p:sp>
@@ -6586,17 +7011,15 @@
         </p:nvSpPr>
         <p:spPr>
           <a:xfrm>
-            <a:off x="1991544" y="1124744"/>
-            <a:ext cx="8280920" cy="1077218"/>
+            <a:off x="1703512" y="1467865"/>
+            <a:ext cx="8784976" cy="584775"/>
           </a:xfrm>
           <a:prstGeom prst="rect">
             <a:avLst/>
           </a:prstGeom>
           <a:noFill/>
           <a:ln>
-            <a:solidFill>
-              <a:schemeClr val="tx1"/>
-            </a:solidFill>
+            <a:noFill/>
           </a:ln>
         </p:spPr>
         <p:txBody>
@@ -6606,10 +7029,18 @@
           <a:lstStyle/>
           <a:p>
             <a:r>
-              <a:rPr lang="ja-JP" altLang="en-US" sz="3200" dirty="0"/>
+              <a:rPr lang="ja-JP" altLang="en-US" sz="3200" dirty="0">
+                <a:solidFill>
+                  <a:schemeClr val="bg1"/>
+                </a:solidFill>
+              </a:rPr>
               <a:t>１フロアにいくつかの敵がわいてくるポイントがある</a:t>
             </a:r>
-            <a:endParaRPr lang="en-US" altLang="ja-JP" sz="3200" dirty="0"/>
+            <a:endParaRPr lang="en-US" altLang="ja-JP" sz="3200" dirty="0">
+              <a:solidFill>
+                <a:schemeClr val="bg1"/>
+              </a:solidFill>
+            </a:endParaRPr>
           </a:p>
         </p:txBody>
       </p:sp>
@@ -6643,52 +7074,12 @@
           <a:chExt cx="0" cy="0"/>
         </a:xfrm>
       </p:grpSpPr>
-      <p:sp>
-        <p:nvSpPr>
-          <p:cNvPr id="2" name="テキスト ボックス 1">
-            <a:extLst>
-              <a:ext uri="{FF2B5EF4-FFF2-40B4-BE49-F238E27FC236}">
-                <a16:creationId xmlns:a16="http://schemas.microsoft.com/office/drawing/2014/main" id="{F397FD23-892C-4E12-97D1-127ECC465AE9}"/>
-              </a:ext>
-            </a:extLst>
-          </p:cNvPr>
-          <p:cNvSpPr txBox="1"/>
-          <p:nvPr/>
-        </p:nvSpPr>
-        <p:spPr>
-          <a:xfrm>
-            <a:off x="479376" y="548680"/>
-            <a:ext cx="1634149" cy="923330"/>
-          </a:xfrm>
-          <a:prstGeom prst="rect">
-            <a:avLst/>
-          </a:prstGeom>
-          <a:solidFill>
-            <a:srgbClr val="92D050"/>
-          </a:solidFill>
-          <a:ln>
-            <a:noFill/>
-          </a:ln>
-        </p:spPr>
-        <p:txBody>
-          <a:bodyPr wrap="square">
-            <a:spAutoFit/>
-          </a:bodyPr>
-          <a:lstStyle/>
-          <a:p>
-            <a:r>
-              <a:rPr lang="ja-JP" altLang="en-US" sz="5400" dirty="0"/>
-              <a:t>資源</a:t>
-            </a:r>
-          </a:p>
-        </p:txBody>
-      </p:sp>
       <p:pic>
         <p:nvPicPr>
-          <p:cNvPr id="8" name="図 7">
+          <p:cNvPr id="24" name="図 23">
             <a:extLst>
               <a:ext uri="{FF2B5EF4-FFF2-40B4-BE49-F238E27FC236}">
-                <a16:creationId xmlns:a16="http://schemas.microsoft.com/office/drawing/2014/main" id="{FB66F6FF-5A3C-4579-A2F1-3010ABADF7C2}"/>
+                <a16:creationId xmlns:a16="http://schemas.microsoft.com/office/drawing/2014/main" id="{4A166DCC-EE28-4C02-866D-A939D167049C}"/>
               </a:ext>
             </a:extLst>
           </p:cNvPr>
@@ -6698,7 +7089,7 @@
           <p:nvPr/>
         </p:nvPicPr>
         <p:blipFill>
-          <a:blip r:embed="rId3">
+          <a:blip r:embed="rId3" cstate="print">
             <a:extLst>
               <a:ext uri="{28A0092B-C50C-407E-A947-70E740481C1C}">
                 <a14:useLocalDpi xmlns:a14="http://schemas.microsoft.com/office/drawing/2010/main" val="0"/>
@@ -6711,20 +7102,60 @@
         </p:blipFill>
         <p:spPr>
           <a:xfrm>
-            <a:off x="2063552" y="4059663"/>
-            <a:ext cx="1728192" cy="1728192"/>
+            <a:off x="-23600" y="0"/>
+            <a:ext cx="12215600" cy="6858000"/>
           </a:xfrm>
           <a:prstGeom prst="rect">
             <a:avLst/>
           </a:prstGeom>
         </p:spPr>
       </p:pic>
+      <p:sp>
+        <p:nvSpPr>
+          <p:cNvPr id="2" name="テキスト ボックス 1">
+            <a:extLst>
+              <a:ext uri="{FF2B5EF4-FFF2-40B4-BE49-F238E27FC236}">
+                <a16:creationId xmlns:a16="http://schemas.microsoft.com/office/drawing/2014/main" id="{F397FD23-892C-4E12-97D1-127ECC465AE9}"/>
+              </a:ext>
+            </a:extLst>
+          </p:cNvPr>
+          <p:cNvSpPr txBox="1"/>
+          <p:nvPr/>
+        </p:nvSpPr>
+        <p:spPr>
+          <a:xfrm>
+            <a:off x="479376" y="548680"/>
+            <a:ext cx="1634149" cy="923330"/>
+          </a:xfrm>
+          <a:prstGeom prst="rect">
+            <a:avLst/>
+          </a:prstGeom>
+          <a:solidFill>
+            <a:srgbClr val="92D050"/>
+          </a:solidFill>
+          <a:ln>
+            <a:noFill/>
+          </a:ln>
+        </p:spPr>
+        <p:txBody>
+          <a:bodyPr wrap="square">
+            <a:spAutoFit/>
+          </a:bodyPr>
+          <a:lstStyle/>
+          <a:p>
+            <a:r>
+              <a:rPr lang="ja-JP" altLang="en-US" sz="5400" dirty="0"/>
+              <a:t>資源</a:t>
+            </a:r>
+          </a:p>
+        </p:txBody>
+      </p:sp>
       <p:pic>
         <p:nvPicPr>
-          <p:cNvPr id="10" name="図 9">
+          <p:cNvPr id="8" name="図 7">
             <a:extLst>
               <a:ext uri="{FF2B5EF4-FFF2-40B4-BE49-F238E27FC236}">
-                <a16:creationId xmlns:a16="http://schemas.microsoft.com/office/drawing/2014/main" id="{D43801EE-6EE3-4151-977E-2123EC5CC729}"/>
+                <a16:creationId xmlns:a16="http://schemas.microsoft.com/office/drawing/2014/main" id="{FB66F6FF-5A3C-4579-A2F1-3010ABADF7C2}"/>
               </a:ext>
             </a:extLst>
           </p:cNvPr>
@@ -6747,8 +7178,8 @@
         </p:blipFill>
         <p:spPr>
           <a:xfrm>
-            <a:off x="6707268" y="4291935"/>
-            <a:ext cx="1904762" cy="1430287"/>
+            <a:off x="1746279" y="4059663"/>
+            <a:ext cx="1728192" cy="1728192"/>
           </a:xfrm>
           <a:prstGeom prst="rect">
             <a:avLst/>
@@ -6757,10 +7188,10 @@
       </p:pic>
       <p:pic>
         <p:nvPicPr>
-          <p:cNvPr id="12" name="図 11">
+          <p:cNvPr id="10" name="図 9">
             <a:extLst>
               <a:ext uri="{FF2B5EF4-FFF2-40B4-BE49-F238E27FC236}">
-                <a16:creationId xmlns:a16="http://schemas.microsoft.com/office/drawing/2014/main" id="{BE37B651-EA96-4636-81D8-24668860E15D}"/>
+                <a16:creationId xmlns:a16="http://schemas.microsoft.com/office/drawing/2014/main" id="{D43801EE-6EE3-4151-977E-2123EC5CC729}"/>
               </a:ext>
             </a:extLst>
           </p:cNvPr>
@@ -6783,8 +7214,44 @@
         </p:blipFill>
         <p:spPr>
           <a:xfrm>
-            <a:off x="6762163" y="3048478"/>
-            <a:ext cx="1368152" cy="1113459"/>
+            <a:off x="6672796" y="4279786"/>
+            <a:ext cx="1546886" cy="1161558"/>
+          </a:xfrm>
+          <a:prstGeom prst="rect">
+            <a:avLst/>
+          </a:prstGeom>
+        </p:spPr>
+      </p:pic>
+      <p:pic>
+        <p:nvPicPr>
+          <p:cNvPr id="12" name="図 11">
+            <a:extLst>
+              <a:ext uri="{FF2B5EF4-FFF2-40B4-BE49-F238E27FC236}">
+                <a16:creationId xmlns:a16="http://schemas.microsoft.com/office/drawing/2014/main" id="{BE37B651-EA96-4636-81D8-24668860E15D}"/>
+              </a:ext>
+            </a:extLst>
+          </p:cNvPr>
+          <p:cNvPicPr>
+            <a:picLocks noChangeAspect="1"/>
+          </p:cNvPicPr>
+          <p:nvPr/>
+        </p:nvPicPr>
+        <p:blipFill>
+          <a:blip r:embed="rId6">
+            <a:extLst>
+              <a:ext uri="{28A0092B-C50C-407E-A947-70E740481C1C}">
+                <a14:useLocalDpi xmlns:a14="http://schemas.microsoft.com/office/drawing/2010/main" val="0"/>
+              </a:ext>
+            </a:extLst>
+          </a:blip>
+          <a:stretch>
+            <a:fillRect/>
+          </a:stretch>
+        </p:blipFill>
+        <p:spPr>
+          <a:xfrm>
+            <a:off x="6669338" y="3048478"/>
+            <a:ext cx="1546885" cy="1113459"/>
           </a:xfrm>
           <a:prstGeom prst="rect">
             <a:avLst/>
@@ -6805,13 +7272,13 @@
         </p:nvCxnSpPr>
         <p:spPr>
           <a:xfrm flipV="1">
-            <a:off x="4259796" y="3429000"/>
+            <a:off x="3847769" y="3434064"/>
             <a:ext cx="2448272" cy="792088"/>
           </a:xfrm>
           <a:prstGeom prst="bentConnector3">
             <a:avLst/>
           </a:prstGeom>
-          <a:ln>
+          <a:ln w="57150">
             <a:tailEnd type="triangle"/>
           </a:ln>
         </p:spPr>
@@ -6844,8 +7311,8 @@
         </p:nvSpPr>
         <p:spPr>
           <a:xfrm>
-            <a:off x="335360" y="4653136"/>
-            <a:ext cx="1296144" cy="707886"/>
+            <a:off x="154142" y="4653136"/>
+            <a:ext cx="1261338" cy="707886"/>
           </a:xfrm>
           <a:prstGeom prst="rect">
             <a:avLst/>
@@ -6867,6 +7334,7 @@
           </a:bodyPr>
           <a:lstStyle/>
           <a:p>
+            <a:pPr algn="ctr"/>
             <a:r>
               <a:rPr lang="ja-JP" altLang="en-US" sz="4000" dirty="0"/>
               <a:t>資源</a:t>
@@ -6912,6 +7380,7 @@
           </a:bodyPr>
           <a:lstStyle/>
           <a:p>
+            <a:pPr algn="ctr"/>
             <a:r>
               <a:rPr lang="ja-JP" altLang="en-US" sz="4000" dirty="0"/>
               <a:t>新ユニット入手</a:t>
@@ -6957,6 +7426,7 @@
           </a:bodyPr>
           <a:lstStyle/>
           <a:p>
+            <a:pPr algn="ctr"/>
             <a:r>
               <a:rPr lang="ja-JP" altLang="en-US" sz="3600" dirty="0"/>
               <a:t>キャラクター強化</a:t>
@@ -6997,26 +7467,50 @@
           <a:lstStyle/>
           <a:p>
             <a:r>
-              <a:rPr lang="ja-JP" altLang="en-US" sz="2400" dirty="0"/>
+              <a:rPr lang="ja-JP" altLang="en-US" sz="2400" dirty="0">
+                <a:solidFill>
+                  <a:schemeClr val="bg1"/>
+                </a:solidFill>
+              </a:rPr>
               <a:t>ユニットは</a:t>
             </a:r>
             <a:r>
-              <a:rPr lang="en-US" altLang="ja-JP" sz="2400" dirty="0"/>
+              <a:rPr lang="en-US" altLang="ja-JP" sz="2400" dirty="0">
+                <a:solidFill>
+                  <a:schemeClr val="bg1"/>
+                </a:solidFill>
+              </a:rPr>
               <a:t>5</a:t>
             </a:r>
             <a:r>
-              <a:rPr lang="ja-JP" altLang="en-US" sz="2400" dirty="0"/>
+              <a:rPr lang="ja-JP" altLang="en-US" sz="2400" dirty="0">
+                <a:solidFill>
+                  <a:schemeClr val="bg1"/>
+                </a:solidFill>
+              </a:rPr>
               <a:t>種類あるうちランダム</a:t>
             </a:r>
             <a:r>
-              <a:rPr lang="en-US" altLang="ja-JP" sz="2400" dirty="0"/>
+              <a:rPr lang="en-US" altLang="ja-JP" sz="2400" dirty="0">
+                <a:solidFill>
+                  <a:schemeClr val="bg1"/>
+                </a:solidFill>
+              </a:rPr>
               <a:t>3</a:t>
             </a:r>
             <a:r>
-              <a:rPr lang="ja-JP" altLang="en-US" sz="2400" dirty="0"/>
+              <a:rPr lang="ja-JP" altLang="en-US" sz="2400" dirty="0">
+                <a:solidFill>
+                  <a:schemeClr val="bg1"/>
+                </a:solidFill>
+              </a:rPr>
               <a:t>つ選択</a:t>
             </a:r>
-            <a:endParaRPr lang="en-US" altLang="ja-JP" sz="2400" dirty="0"/>
+            <a:endParaRPr lang="en-US" altLang="ja-JP" sz="2400" dirty="0">
+              <a:solidFill>
+                <a:schemeClr val="bg1"/>
+              </a:solidFill>
+            </a:endParaRPr>
           </a:p>
         </p:txBody>
       </p:sp>
@@ -7031,19 +7525,18 @@
           </p:cNvPr>
           <p:cNvCxnSpPr>
             <a:cxnSpLocks/>
-            <a:endCxn id="10" idx="1"/>
           </p:cNvCxnSpPr>
           <p:nvPr/>
         </p:nvCxnSpPr>
         <p:spPr>
           <a:xfrm>
-            <a:off x="4223792" y="5005513"/>
+            <a:off x="3841496" y="4923759"/>
             <a:ext cx="2483476" cy="1566"/>
           </a:xfrm>
           <a:prstGeom prst="straightConnector1">
             <a:avLst/>
           </a:prstGeom>
-          <a:ln>
+          <a:ln w="57150">
             <a:tailEnd type="triangle"/>
           </a:ln>
         </p:spPr>
@@ -7078,7 +7571,7 @@
         </p:nvCxnSpPr>
         <p:spPr>
           <a:xfrm>
-            <a:off x="4231188" y="5787855"/>
+            <a:off x="3852829" y="5547891"/>
             <a:ext cx="2476080" cy="627608"/>
           </a:xfrm>
           <a:prstGeom prst="bentConnector3">
@@ -7086,7 +7579,7 @@
               <a:gd name="adj1" fmla="val 50000"/>
             </a:avLst>
           </a:prstGeom>
-          <a:ln>
+          <a:ln w="57150">
             <a:tailEnd type="triangle"/>
           </a:ln>
         </p:spPr>
@@ -7120,7 +7613,7 @@
           <p:nvPr/>
         </p:nvPicPr>
         <p:blipFill>
-          <a:blip r:embed="rId6">
+          <a:blip r:embed="rId7">
             <a:extLst>
               <a:ext uri="{28A0092B-C50C-407E-A947-70E740481C1C}">
                 <a14:useLocalDpi xmlns:a14="http://schemas.microsoft.com/office/drawing/2010/main" val="0"/>
@@ -7134,8 +7627,8 @@
         </p:blipFill>
         <p:spPr bwMode="auto">
           <a:xfrm>
-            <a:off x="6824647" y="5547891"/>
-            <a:ext cx="1278053" cy="1270992"/>
+            <a:off x="6672796" y="5693112"/>
+            <a:ext cx="1546886" cy="1130342"/>
           </a:xfrm>
           <a:prstGeom prst="rect">
             <a:avLst/>
@@ -7189,6 +7682,7 @@
           </a:bodyPr>
           <a:lstStyle/>
           <a:p>
+            <a:pPr algn="ctr"/>
             <a:r>
               <a:rPr lang="en-US" altLang="ja-JP" sz="4000" dirty="0"/>
               <a:t>HP</a:t>
@@ -7220,14 +7714,14 @@
           </a:xfrm>
           <a:prstGeom prst="wedgeRectCallout">
             <a:avLst>
-              <a:gd name="adj1" fmla="val -43544"/>
-              <a:gd name="adj2" fmla="val 73930"/>
+              <a:gd name="adj1" fmla="val -36509"/>
+              <a:gd name="adj2" fmla="val 72400"/>
             </a:avLst>
           </a:prstGeom>
           <a:noFill/>
           <a:ln>
             <a:solidFill>
-              <a:schemeClr val="tx1"/>
+              <a:schemeClr val="bg1"/>
             </a:solidFill>
           </a:ln>
         </p:spPr>
@@ -7252,7 +7746,11 @@
           <a:lstStyle/>
           <a:p>
             <a:pPr algn="ctr"/>
-            <a:endParaRPr kumimoji="1" lang="ja-JP" altLang="en-US"/>
+            <a:endParaRPr kumimoji="1" lang="ja-JP" altLang="en-US">
+              <a:solidFill>
+                <a:schemeClr val="bg1"/>
+              </a:solidFill>
+            </a:endParaRPr>
           </a:p>
         </p:txBody>
       </p:sp>
@@ -7288,17 +7786,33 @@
           <a:lstStyle/>
           <a:p>
             <a:r>
-              <a:rPr lang="ja-JP" altLang="en-US" sz="2400" dirty="0"/>
+              <a:rPr lang="ja-JP" altLang="en-US" sz="2400" dirty="0">
+                <a:solidFill>
+                  <a:schemeClr val="bg1"/>
+                </a:solidFill>
+              </a:rPr>
               <a:t>最初は近くの敵を攻撃する</a:t>
             </a:r>
-            <a:endParaRPr lang="en-US" altLang="ja-JP" sz="2400" dirty="0"/>
-          </a:p>
-          <a:p>
-            <a:r>
-              <a:rPr lang="ja-JP" altLang="en-US" sz="2400" dirty="0"/>
+            <a:endParaRPr lang="en-US" altLang="ja-JP" sz="2400" dirty="0">
+              <a:solidFill>
+                <a:schemeClr val="bg1"/>
+              </a:solidFill>
+            </a:endParaRPr>
+          </a:p>
+          <a:p>
+            <a:r>
+              <a:rPr lang="ja-JP" altLang="en-US" sz="2400" dirty="0">
+                <a:solidFill>
+                  <a:schemeClr val="bg1"/>
+                </a:solidFill>
+              </a:rPr>
               <a:t>ユニットを所持している</a:t>
             </a:r>
-            <a:endParaRPr lang="en-US" altLang="ja-JP" sz="2400" dirty="0"/>
+            <a:endParaRPr lang="en-US" altLang="ja-JP" sz="2400" dirty="0">
+              <a:solidFill>
+                <a:schemeClr val="bg1"/>
+              </a:solidFill>
+            </a:endParaRPr>
           </a:p>
         </p:txBody>
       </p:sp>
@@ -7317,7 +7831,7 @@
         <p:spPr>
           <a:xfrm>
             <a:off x="497122" y="1743199"/>
-            <a:ext cx="3654662" cy="830997"/>
+            <a:ext cx="3798678" cy="830997"/>
           </a:xfrm>
           <a:prstGeom prst="rect">
             <a:avLst/>
@@ -7334,10 +7848,18 @@
           <a:lstStyle/>
           <a:p>
             <a:r>
-              <a:rPr lang="ja-JP" altLang="en-US" sz="2400" dirty="0"/>
+              <a:rPr lang="ja-JP" altLang="en-US" sz="2400" dirty="0">
+                <a:solidFill>
+                  <a:schemeClr val="bg1"/>
+                </a:solidFill>
+              </a:rPr>
               <a:t>資源はフロアの扉を開けるごとに一定数獲得できる</a:t>
             </a:r>
-            <a:endParaRPr lang="en-US" altLang="ja-JP" sz="2400" dirty="0"/>
+            <a:endParaRPr lang="en-US" altLang="ja-JP" sz="2400" dirty="0">
+              <a:solidFill>
+                <a:schemeClr val="bg1"/>
+              </a:solidFill>
+            </a:endParaRPr>
           </a:p>
         </p:txBody>
       </p:sp>
@@ -7371,6 +7893,42 @@
           <a:chExt cx="0" cy="0"/>
         </a:xfrm>
       </p:grpSpPr>
+      <p:pic>
+        <p:nvPicPr>
+          <p:cNvPr id="10" name="図 9">
+            <a:extLst>
+              <a:ext uri="{FF2B5EF4-FFF2-40B4-BE49-F238E27FC236}">
+                <a16:creationId xmlns:a16="http://schemas.microsoft.com/office/drawing/2014/main" id="{FAEEDBF1-0152-48DE-AAD8-4A28AD4E47BE}"/>
+              </a:ext>
+            </a:extLst>
+          </p:cNvPr>
+          <p:cNvPicPr>
+            <a:picLocks noChangeAspect="1"/>
+          </p:cNvPicPr>
+          <p:nvPr/>
+        </p:nvPicPr>
+        <p:blipFill>
+          <a:blip r:embed="rId2" cstate="print">
+            <a:extLst>
+              <a:ext uri="{28A0092B-C50C-407E-A947-70E740481C1C}">
+                <a14:useLocalDpi xmlns:a14="http://schemas.microsoft.com/office/drawing/2010/main" val="0"/>
+              </a:ext>
+            </a:extLst>
+          </a:blip>
+          <a:stretch>
+            <a:fillRect/>
+          </a:stretch>
+        </p:blipFill>
+        <p:spPr>
+          <a:xfrm>
+            <a:off x="-23600" y="0"/>
+            <a:ext cx="12215600" cy="6858000"/>
+          </a:xfrm>
+          <a:prstGeom prst="rect">
+            <a:avLst/>
+          </a:prstGeom>
+        </p:spPr>
+      </p:pic>
       <p:sp>
         <p:nvSpPr>
           <p:cNvPr id="2" name="テキスト ボックス 1">
@@ -7404,6 +7962,7 @@
           </a:bodyPr>
           <a:lstStyle/>
           <a:p>
+            <a:pPr algn="ctr"/>
             <a:r>
               <a:rPr kumimoji="1" lang="ja-JP" altLang="en-US" sz="4400" dirty="0"/>
               <a:t>ユニット</a:t>
@@ -7425,7 +7984,7 @@
         </p:nvSpPr>
         <p:spPr>
           <a:xfrm>
-            <a:off x="665806" y="3259057"/>
+            <a:off x="658342" y="3764762"/>
             <a:ext cx="7086378" cy="461665"/>
           </a:xfrm>
           <a:prstGeom prst="rect">
@@ -7443,26 +8002,50 @@
           <a:lstStyle/>
           <a:p>
             <a:r>
-              <a:rPr lang="ja-JP" altLang="en-US" sz="2400" dirty="0"/>
+              <a:rPr lang="ja-JP" altLang="en-US" sz="2400" dirty="0">
+                <a:solidFill>
+                  <a:schemeClr val="bg1"/>
+                </a:solidFill>
+              </a:rPr>
               <a:t>・ユニットにも</a:t>
             </a:r>
             <a:r>
-              <a:rPr lang="en-US" altLang="ja-JP" sz="2400" dirty="0"/>
+              <a:rPr lang="en-US" altLang="ja-JP" sz="2400" dirty="0">
+                <a:solidFill>
+                  <a:schemeClr val="bg1"/>
+                </a:solidFill>
+              </a:rPr>
               <a:t>HP</a:t>
             </a:r>
             <a:r>
-              <a:rPr lang="ja-JP" altLang="en-US" sz="2400" dirty="0"/>
+              <a:rPr lang="ja-JP" altLang="en-US" sz="2400" dirty="0">
+                <a:solidFill>
+                  <a:schemeClr val="bg1"/>
+                </a:solidFill>
+              </a:rPr>
               <a:t>があり、</a:t>
             </a:r>
             <a:r>
-              <a:rPr lang="en-US" altLang="ja-JP" sz="2400" dirty="0"/>
+              <a:rPr lang="en-US" altLang="ja-JP" sz="2400" dirty="0">
+                <a:solidFill>
+                  <a:schemeClr val="bg1"/>
+                </a:solidFill>
+              </a:rPr>
               <a:t>HP</a:t>
             </a:r>
             <a:r>
-              <a:rPr lang="ja-JP" altLang="en-US" sz="2400" dirty="0"/>
+              <a:rPr lang="ja-JP" altLang="en-US" sz="2400" dirty="0">
+                <a:solidFill>
+                  <a:schemeClr val="bg1"/>
+                </a:solidFill>
+              </a:rPr>
               <a:t>がなくなると起動しなくなる</a:t>
             </a:r>
-            <a:endParaRPr lang="en-US" altLang="ja-JP" sz="2400" dirty="0"/>
+            <a:endParaRPr lang="en-US" altLang="ja-JP" sz="2400" dirty="0">
+              <a:solidFill>
+                <a:schemeClr val="bg1"/>
+              </a:solidFill>
+            </a:endParaRPr>
           </a:p>
         </p:txBody>
       </p:sp>
@@ -7498,24 +8081,48 @@
           <a:lstStyle/>
           <a:p>
             <a:r>
-              <a:rPr lang="ja-JP" altLang="en-US" sz="2400" dirty="0"/>
+              <a:rPr lang="ja-JP" altLang="en-US" sz="2400" dirty="0">
+                <a:solidFill>
+                  <a:schemeClr val="bg1"/>
+                </a:solidFill>
+              </a:rPr>
               <a:t>・部屋にユニット設置することができる</a:t>
             </a:r>
-            <a:endParaRPr lang="en-US" altLang="ja-JP" sz="2400" dirty="0"/>
-          </a:p>
-          <a:p>
-            <a:r>
-              <a:rPr lang="ja-JP" altLang="en-US" sz="2400" dirty="0"/>
+            <a:endParaRPr lang="en-US" altLang="ja-JP" sz="2400" dirty="0">
+              <a:solidFill>
+                <a:schemeClr val="bg1"/>
+              </a:solidFill>
+            </a:endParaRPr>
+          </a:p>
+          <a:p>
+            <a:r>
+              <a:rPr lang="ja-JP" altLang="en-US" sz="2400" dirty="0">
+                <a:solidFill>
+                  <a:schemeClr val="bg1"/>
+                </a:solidFill>
+              </a:rPr>
               <a:t>設置には資源を使用する</a:t>
             </a:r>
-            <a:endParaRPr lang="en-US" altLang="ja-JP" sz="2400" dirty="0"/>
-          </a:p>
-          <a:p>
-            <a:r>
-              <a:rPr lang="ja-JP" altLang="en-US" sz="2400" dirty="0"/>
+            <a:endParaRPr lang="en-US" altLang="ja-JP" sz="2400" dirty="0">
+              <a:solidFill>
+                <a:schemeClr val="bg1"/>
+              </a:solidFill>
+            </a:endParaRPr>
+          </a:p>
+          <a:p>
+            <a:r>
+              <a:rPr lang="ja-JP" altLang="en-US" sz="2400" dirty="0">
+                <a:solidFill>
+                  <a:schemeClr val="bg1"/>
+                </a:solidFill>
+              </a:rPr>
               <a:t>ただし設置したユニットを回収することはできない</a:t>
             </a:r>
-            <a:endParaRPr lang="en-US" altLang="ja-JP" sz="2400" dirty="0"/>
+            <a:endParaRPr lang="en-US" altLang="ja-JP" sz="2400" dirty="0">
+              <a:solidFill>
+                <a:schemeClr val="bg1"/>
+              </a:solidFill>
+            </a:endParaRPr>
           </a:p>
         </p:txBody>
       </p:sp>
@@ -7533,7 +8140,7 @@
         </p:nvSpPr>
         <p:spPr>
           <a:xfrm>
-            <a:off x="695400" y="2400951"/>
+            <a:off x="695400" y="2677739"/>
             <a:ext cx="6840760" cy="830997"/>
           </a:xfrm>
           <a:prstGeom prst="rect">
@@ -7551,17 +8158,33 @@
           <a:lstStyle/>
           <a:p>
             <a:r>
-              <a:rPr lang="ja-JP" altLang="en-US" sz="2400" dirty="0"/>
+              <a:rPr lang="ja-JP" altLang="en-US" sz="2400" dirty="0">
+                <a:solidFill>
+                  <a:schemeClr val="bg1"/>
+                </a:solidFill>
+              </a:rPr>
               <a:t>・設置されたユニットは起動範囲があり、</a:t>
             </a:r>
-            <a:endParaRPr lang="en-US" altLang="ja-JP" sz="2400" dirty="0"/>
-          </a:p>
-          <a:p>
-            <a:r>
-              <a:rPr lang="ja-JP" altLang="en-US" sz="2400" dirty="0"/>
+            <a:endParaRPr lang="en-US" altLang="ja-JP" sz="2400" dirty="0">
+              <a:solidFill>
+                <a:schemeClr val="bg1"/>
+              </a:solidFill>
+            </a:endParaRPr>
+          </a:p>
+          <a:p>
+            <a:r>
+              <a:rPr lang="ja-JP" altLang="en-US" sz="2400" dirty="0">
+                <a:solidFill>
+                  <a:schemeClr val="bg1"/>
+                </a:solidFill>
+              </a:rPr>
               <a:t>敵がその範囲内に入ると自動で攻撃してくれる</a:t>
             </a:r>
-            <a:endParaRPr lang="en-US" altLang="ja-JP" sz="2400" dirty="0"/>
+            <a:endParaRPr lang="en-US" altLang="ja-JP" sz="2400" dirty="0">
+              <a:solidFill>
+                <a:schemeClr val="bg1"/>
+              </a:solidFill>
+            </a:endParaRPr>
           </a:p>
         </p:txBody>
       </p:sp>
@@ -7579,7 +8202,7 @@
         </p:nvSpPr>
         <p:spPr>
           <a:xfrm>
-            <a:off x="665806" y="4000319"/>
+            <a:off x="658342" y="4381488"/>
             <a:ext cx="7446418" cy="830997"/>
           </a:xfrm>
           <a:prstGeom prst="rect">
@@ -7597,26 +8220,50 @@
           <a:lstStyle/>
           <a:p>
             <a:r>
-              <a:rPr lang="ja-JP" altLang="en-US" sz="2400" dirty="0"/>
+              <a:rPr lang="ja-JP" altLang="en-US" sz="2400" dirty="0">
+                <a:solidFill>
+                  <a:schemeClr val="bg1"/>
+                </a:solidFill>
+              </a:rPr>
               <a:t>・ユニットの</a:t>
             </a:r>
             <a:r>
-              <a:rPr lang="en-US" altLang="ja-JP" sz="2400" dirty="0"/>
+              <a:rPr lang="en-US" altLang="ja-JP" sz="2400" dirty="0">
+                <a:solidFill>
+                  <a:schemeClr val="bg1"/>
+                </a:solidFill>
+              </a:rPr>
               <a:t>HP</a:t>
             </a:r>
             <a:r>
-              <a:rPr lang="ja-JP" altLang="en-US" sz="2400" dirty="0"/>
+              <a:rPr lang="ja-JP" altLang="en-US" sz="2400" dirty="0">
+                <a:solidFill>
+                  <a:schemeClr val="bg1"/>
+                </a:solidFill>
+              </a:rPr>
               <a:t>はプレイヤーが叩くと</a:t>
             </a:r>
             <a:r>
-              <a:rPr lang="en-US" altLang="ja-JP" sz="2400" dirty="0"/>
+              <a:rPr lang="en-US" altLang="ja-JP" sz="2400" dirty="0">
+                <a:solidFill>
+                  <a:schemeClr val="bg1"/>
+                </a:solidFill>
+              </a:rPr>
               <a:t>HP</a:t>
             </a:r>
             <a:r>
-              <a:rPr lang="ja-JP" altLang="en-US" sz="2400" dirty="0"/>
+              <a:rPr lang="ja-JP" altLang="en-US" sz="2400" dirty="0">
+                <a:solidFill>
+                  <a:schemeClr val="bg1"/>
+                </a:solidFill>
+              </a:rPr>
               <a:t>を一定量回復する（完全回復までできる）</a:t>
             </a:r>
-            <a:endParaRPr lang="en-US" altLang="ja-JP" sz="2400" dirty="0"/>
+            <a:endParaRPr lang="en-US" altLang="ja-JP" sz="2400" dirty="0">
+              <a:solidFill>
+                <a:schemeClr val="bg1"/>
+              </a:solidFill>
+            </a:endParaRPr>
           </a:p>
         </p:txBody>
       </p:sp>
@@ -7634,15 +8281,17 @@
         </p:nvSpPr>
         <p:spPr>
           <a:xfrm>
-            <a:off x="698353" y="5229200"/>
+            <a:off x="2360991" y="5598378"/>
             <a:ext cx="7446418" cy="830997"/>
           </a:xfrm>
           <a:prstGeom prst="rect">
             <a:avLst/>
           </a:prstGeom>
           <a:noFill/>
-          <a:ln>
-            <a:noFill/>
+          <a:ln w="28575">
+            <a:solidFill>
+              <a:srgbClr val="FFFF00"/>
+            </a:solidFill>
           </a:ln>
         </p:spPr>
         <p:txBody>
@@ -7652,25 +8301,49 @@
           <a:lstStyle/>
           <a:p>
             <a:r>
-              <a:rPr lang="ja-JP" altLang="en-US" sz="2400" dirty="0"/>
+              <a:rPr lang="ja-JP" altLang="en-US" sz="2400" dirty="0">
+                <a:solidFill>
+                  <a:schemeClr val="bg1"/>
+                </a:solidFill>
+              </a:rPr>
               <a:t>・資源を使うとユニットは強化ができる（</a:t>
             </a:r>
             <a:r>
-              <a:rPr lang="en-US" altLang="ja-JP" sz="2400" dirty="0"/>
+              <a:rPr lang="en-US" altLang="ja-JP" sz="2400" dirty="0">
+                <a:solidFill>
+                  <a:schemeClr val="bg1"/>
+                </a:solidFill>
+              </a:rPr>
               <a:t>5</a:t>
             </a:r>
             <a:r>
-              <a:rPr lang="ja-JP" altLang="en-US" sz="2400" dirty="0"/>
+              <a:rPr lang="ja-JP" altLang="en-US" sz="2400" dirty="0">
+                <a:solidFill>
+                  <a:schemeClr val="bg1"/>
+                </a:solidFill>
+              </a:rPr>
               <a:t>回まで）</a:t>
             </a:r>
-            <a:endParaRPr lang="en-US" altLang="ja-JP" sz="2400" dirty="0"/>
-          </a:p>
-          <a:p>
-            <a:r>
-              <a:rPr lang="ja-JP" altLang="en-US" sz="2400" dirty="0"/>
+            <a:endParaRPr lang="en-US" altLang="ja-JP" sz="2400" dirty="0">
+              <a:solidFill>
+                <a:schemeClr val="bg1"/>
+              </a:solidFill>
+            </a:endParaRPr>
+          </a:p>
+          <a:p>
+            <a:r>
+              <a:rPr lang="ja-JP" altLang="en-US" sz="2400" dirty="0">
+                <a:solidFill>
+                  <a:schemeClr val="bg1"/>
+                </a:solidFill>
+              </a:rPr>
               <a:t>＊強化するごとに資源を使う量は増える</a:t>
             </a:r>
-            <a:endParaRPr lang="en-US" altLang="ja-JP" sz="2400" dirty="0"/>
+            <a:endParaRPr lang="en-US" altLang="ja-JP" sz="2400" dirty="0">
+              <a:solidFill>
+                <a:schemeClr val="bg1"/>
+              </a:solidFill>
+            </a:endParaRPr>
           </a:p>
         </p:txBody>
       </p:sp>
@@ -7704,6 +8377,42 @@
           <a:chExt cx="0" cy="0"/>
         </a:xfrm>
       </p:grpSpPr>
+      <p:pic>
+        <p:nvPicPr>
+          <p:cNvPr id="8" name="図 7">
+            <a:extLst>
+              <a:ext uri="{FF2B5EF4-FFF2-40B4-BE49-F238E27FC236}">
+                <a16:creationId xmlns:a16="http://schemas.microsoft.com/office/drawing/2014/main" id="{9ACA0DE1-E24D-446C-89C3-9DB35F09A852}"/>
+              </a:ext>
+            </a:extLst>
+          </p:cNvPr>
+          <p:cNvPicPr>
+            <a:picLocks noChangeAspect="1"/>
+          </p:cNvPicPr>
+          <p:nvPr/>
+        </p:nvPicPr>
+        <p:blipFill>
+          <a:blip r:embed="rId2" cstate="print">
+            <a:extLst>
+              <a:ext uri="{28A0092B-C50C-407E-A947-70E740481C1C}">
+                <a14:useLocalDpi xmlns:a14="http://schemas.microsoft.com/office/drawing/2010/main" val="0"/>
+              </a:ext>
+            </a:extLst>
+          </a:blip>
+          <a:stretch>
+            <a:fillRect/>
+          </a:stretch>
+        </p:blipFill>
+        <p:spPr>
+          <a:xfrm>
+            <a:off x="-23600" y="0"/>
+            <a:ext cx="12215600" cy="6858000"/>
+          </a:xfrm>
+          <a:prstGeom prst="rect">
+            <a:avLst/>
+          </a:prstGeom>
+        </p:spPr>
+      </p:pic>
       <p:sp>
         <p:nvSpPr>
           <p:cNvPr id="2" name="テキスト ボックス 1">
@@ -7777,55 +8486,111 @@
           <a:lstStyle/>
           <a:p>
             <a:r>
-              <a:rPr lang="ja-JP" altLang="en-US" sz="2400" dirty="0"/>
+              <a:rPr lang="ja-JP" altLang="en-US" sz="2400" dirty="0">
+                <a:solidFill>
+                  <a:schemeClr val="bg1"/>
+                </a:solidFill>
+              </a:rPr>
               <a:t>・</a:t>
             </a:r>
             <a:r>
-              <a:rPr lang="en-US" altLang="ja-JP" sz="2400" dirty="0"/>
+              <a:rPr lang="en-US" altLang="ja-JP" sz="2400" dirty="0">
+                <a:solidFill>
+                  <a:schemeClr val="bg1"/>
+                </a:solidFill>
+              </a:rPr>
               <a:t>3</a:t>
             </a:r>
             <a:r>
-              <a:rPr lang="ja-JP" altLang="en-US" sz="2400" dirty="0"/>
+              <a:rPr lang="ja-JP" altLang="en-US" sz="2400" dirty="0">
+                <a:solidFill>
+                  <a:schemeClr val="bg1"/>
+                </a:solidFill>
+              </a:rPr>
               <a:t>回まで強化できる</a:t>
             </a:r>
-            <a:endParaRPr lang="en-US" altLang="ja-JP" sz="2400" dirty="0"/>
-          </a:p>
-          <a:p>
-            <a:r>
-              <a:rPr lang="ja-JP" altLang="en-US" sz="2400" dirty="0"/>
+            <a:endParaRPr lang="en-US" altLang="ja-JP" sz="2400" dirty="0">
+              <a:solidFill>
+                <a:schemeClr val="bg1"/>
+              </a:solidFill>
+            </a:endParaRPr>
+          </a:p>
+          <a:p>
+            <a:r>
+              <a:rPr lang="ja-JP" altLang="en-US" sz="2400" dirty="0">
+                <a:solidFill>
+                  <a:schemeClr val="bg1"/>
+                </a:solidFill>
+              </a:rPr>
               <a:t>・強化するたびに</a:t>
             </a:r>
             <a:r>
-              <a:rPr lang="en-US" altLang="ja-JP" sz="2400" dirty="0"/>
+              <a:rPr lang="en-US" altLang="ja-JP" sz="2400" dirty="0">
+                <a:solidFill>
+                  <a:schemeClr val="bg1"/>
+                </a:solidFill>
+              </a:rPr>
               <a:t>HP</a:t>
             </a:r>
             <a:r>
-              <a:rPr lang="ja-JP" altLang="en-US" sz="2400" dirty="0"/>
+              <a:rPr lang="ja-JP" altLang="en-US" sz="2400" dirty="0">
+                <a:solidFill>
+                  <a:schemeClr val="bg1"/>
+                </a:solidFill>
+              </a:rPr>
               <a:t>が一定量回復する</a:t>
             </a:r>
-            <a:endParaRPr lang="en-US" altLang="ja-JP" sz="2400" dirty="0"/>
-          </a:p>
-          <a:p>
-            <a:r>
-              <a:rPr lang="ja-JP" altLang="en-US" sz="2400" dirty="0"/>
+            <a:endParaRPr lang="en-US" altLang="ja-JP" sz="2400" dirty="0">
+              <a:solidFill>
+                <a:schemeClr val="bg1"/>
+              </a:solidFill>
+            </a:endParaRPr>
+          </a:p>
+          <a:p>
+            <a:r>
+              <a:rPr lang="ja-JP" altLang="en-US" sz="2400" dirty="0">
+                <a:solidFill>
+                  <a:schemeClr val="bg1"/>
+                </a:solidFill>
+              </a:rPr>
               <a:t>・</a:t>
             </a:r>
             <a:r>
-              <a:rPr lang="en-US" altLang="ja-JP" sz="2400" dirty="0"/>
+              <a:rPr lang="en-US" altLang="ja-JP" sz="2400" dirty="0">
+                <a:solidFill>
+                  <a:schemeClr val="bg1"/>
+                </a:solidFill>
+              </a:rPr>
               <a:t>3</a:t>
             </a:r>
             <a:r>
-              <a:rPr lang="ja-JP" altLang="en-US" sz="2400" dirty="0"/>
+              <a:rPr lang="ja-JP" altLang="en-US" sz="2400" dirty="0">
+                <a:solidFill>
+                  <a:schemeClr val="bg1"/>
+                </a:solidFill>
+              </a:rPr>
               <a:t>回まで強化すると種類ごとに</a:t>
             </a:r>
-            <a:endParaRPr lang="en-US" altLang="ja-JP" sz="2400" dirty="0"/>
-          </a:p>
-          <a:p>
-            <a:r>
-              <a:rPr lang="ja-JP" altLang="en-US" sz="2400" dirty="0"/>
+            <a:endParaRPr lang="en-US" altLang="ja-JP" sz="2400" dirty="0">
+              <a:solidFill>
+                <a:schemeClr val="bg1"/>
+              </a:solidFill>
+            </a:endParaRPr>
+          </a:p>
+          <a:p>
+            <a:r>
+              <a:rPr lang="ja-JP" altLang="en-US" sz="2400" dirty="0">
+                <a:solidFill>
+                  <a:schemeClr val="bg1"/>
+                </a:solidFill>
+              </a:rPr>
               <a:t>　異なったスキルが追加される</a:t>
             </a:r>
-            <a:endParaRPr lang="en-US" altLang="ja-JP" sz="2400" dirty="0"/>
+            <a:endParaRPr lang="en-US" altLang="ja-JP" sz="2400" dirty="0">
+              <a:solidFill>
+                <a:schemeClr val="bg1"/>
+              </a:solidFill>
+            </a:endParaRPr>
           </a:p>
         </p:txBody>
       </p:sp>
@@ -7852,7 +8617,7 @@
           <a:noFill/>
           <a:ln>
             <a:solidFill>
-              <a:schemeClr val="tx1"/>
+              <a:srgbClr val="FF0000"/>
             </a:solidFill>
           </a:ln>
         </p:spPr>
@@ -7862,27 +8627,52 @@
           </a:bodyPr>
           <a:lstStyle/>
           <a:p>
-            <a:r>
-              <a:rPr lang="ja-JP" altLang="en-US" sz="3200" dirty="0"/>
+            <a:pPr algn="ctr"/>
+            <a:r>
+              <a:rPr lang="ja-JP" altLang="en-US" sz="3200" dirty="0">
+                <a:solidFill>
+                  <a:schemeClr val="bg1"/>
+                </a:solidFill>
+              </a:rPr>
               <a:t>アタッカー・・・</a:t>
             </a:r>
             <a:r>
-              <a:rPr lang="en-US" altLang="ja-JP" sz="3200" dirty="0"/>
+              <a:rPr lang="en-US" altLang="ja-JP" sz="3200" dirty="0">
+                <a:solidFill>
+                  <a:schemeClr val="bg1"/>
+                </a:solidFill>
+              </a:rPr>
               <a:t>5</a:t>
             </a:r>
             <a:r>
-              <a:rPr lang="ja-JP" altLang="en-US" sz="3200" dirty="0"/>
+              <a:rPr lang="ja-JP" altLang="en-US" sz="3200" dirty="0">
+                <a:solidFill>
+                  <a:schemeClr val="bg1"/>
+                </a:solidFill>
+              </a:rPr>
               <a:t>回に</a:t>
             </a:r>
             <a:r>
-              <a:rPr lang="en-US" altLang="ja-JP" sz="3200" dirty="0"/>
+              <a:rPr lang="en-US" altLang="ja-JP" sz="3200" dirty="0">
+                <a:solidFill>
+                  <a:schemeClr val="bg1"/>
+                </a:solidFill>
+              </a:rPr>
               <a:t>1</a:t>
             </a:r>
             <a:r>
-              <a:rPr lang="ja-JP" altLang="en-US" sz="3200" dirty="0"/>
+              <a:rPr lang="ja-JP" altLang="en-US" sz="3200" dirty="0">
+                <a:solidFill>
+                  <a:schemeClr val="bg1"/>
+                </a:solidFill>
+              </a:rPr>
               <a:t>回高威力の範囲攻撃が出る</a:t>
             </a:r>
-            <a:endParaRPr lang="en-US" altLang="ja-JP" sz="3200" dirty="0"/>
+            <a:endParaRPr lang="en-US" altLang="ja-JP" sz="3200" dirty="0">
+              <a:solidFill>
+                <a:schemeClr val="bg1"/>
+              </a:solidFill>
+            </a:endParaRPr>
           </a:p>
         </p:txBody>
       </p:sp>
@@ -7900,8 +8690,8 @@
         </p:nvSpPr>
         <p:spPr>
           <a:xfrm>
-            <a:off x="1955540" y="5953111"/>
-            <a:ext cx="8280920" cy="584775"/>
+            <a:off x="1919055" y="6030778"/>
+            <a:ext cx="8635534" cy="584775"/>
           </a:xfrm>
           <a:prstGeom prst="rect">
             <a:avLst/>
@@ -7909,7 +8699,7 @@
           <a:noFill/>
           <a:ln>
             <a:solidFill>
-              <a:schemeClr val="tx1"/>
+              <a:srgbClr val="92D050"/>
             </a:solidFill>
           </a:ln>
         </p:spPr>
@@ -7919,11 +8709,20 @@
           </a:bodyPr>
           <a:lstStyle/>
           <a:p>
-            <a:r>
-              <a:rPr lang="ja-JP" altLang="en-US" sz="3200" dirty="0"/>
+            <a:pPr algn="ctr"/>
+            <a:r>
+              <a:rPr lang="ja-JP" altLang="en-US" sz="3200" dirty="0">
+                <a:solidFill>
+                  <a:schemeClr val="bg1"/>
+                </a:solidFill>
+              </a:rPr>
               <a:t>サポート・・・攻撃すると短い間敵がスタンする</a:t>
             </a:r>
-            <a:endParaRPr lang="en-US" altLang="ja-JP" sz="3200" dirty="0"/>
+            <a:endParaRPr lang="en-US" altLang="ja-JP" sz="3200" dirty="0">
+              <a:solidFill>
+                <a:schemeClr val="bg1"/>
+              </a:solidFill>
+            </a:endParaRPr>
           </a:p>
         </p:txBody>
       </p:sp>
@@ -7941,8 +8740,8 @@
         </p:nvSpPr>
         <p:spPr>
           <a:xfrm>
-            <a:off x="1955540" y="4974134"/>
-            <a:ext cx="8280920" cy="584775"/>
+            <a:off x="1932541" y="4974134"/>
+            <a:ext cx="8627645" cy="584775"/>
           </a:xfrm>
           <a:prstGeom prst="rect">
             <a:avLst/>
@@ -7950,7 +8749,7 @@
           <a:noFill/>
           <a:ln>
             <a:solidFill>
-              <a:schemeClr val="tx1"/>
+              <a:srgbClr val="FFC000"/>
             </a:solidFill>
           </a:ln>
         </p:spPr>
@@ -7960,19 +8759,36 @@
           </a:bodyPr>
           <a:lstStyle/>
           <a:p>
-            <a:r>
-              <a:rPr lang="ja-JP" altLang="en-US" sz="3200" dirty="0"/>
+            <a:pPr algn="ctr"/>
+            <a:r>
+              <a:rPr lang="ja-JP" altLang="en-US" sz="3200" dirty="0">
+                <a:solidFill>
+                  <a:schemeClr val="bg1"/>
+                </a:solidFill>
+              </a:rPr>
               <a:t>タンク・・・攻撃すると</a:t>
             </a:r>
             <a:r>
-              <a:rPr lang="en-US" altLang="ja-JP" sz="3200" dirty="0"/>
+              <a:rPr lang="en-US" altLang="ja-JP" sz="3200" dirty="0">
+                <a:solidFill>
+                  <a:schemeClr val="bg1"/>
+                </a:solidFill>
+              </a:rPr>
               <a:t>HP</a:t>
             </a:r>
             <a:r>
-              <a:rPr lang="ja-JP" altLang="en-US" sz="3200" dirty="0"/>
+              <a:rPr lang="ja-JP" altLang="en-US" sz="3200" dirty="0">
+                <a:solidFill>
+                  <a:schemeClr val="bg1"/>
+                </a:solidFill>
+              </a:rPr>
               <a:t>がほんの少し回復する</a:t>
             </a:r>
-            <a:endParaRPr lang="en-US" altLang="ja-JP" sz="3200" dirty="0"/>
+            <a:endParaRPr lang="en-US" altLang="ja-JP" sz="3200" dirty="0">
+              <a:solidFill>
+                <a:schemeClr val="bg1"/>
+              </a:solidFill>
+            </a:endParaRPr>
           </a:p>
         </p:txBody>
       </p:sp>
@@ -7991,7 +8807,7 @@
         <p:spPr>
           <a:xfrm>
             <a:off x="811782" y="2938301"/>
-            <a:ext cx="7446418" cy="830997"/>
+            <a:ext cx="5356226" cy="830997"/>
           </a:xfrm>
           <a:prstGeom prst="rect">
             <a:avLst/>
@@ -8008,25 +8824,49 @@
           <a:lstStyle/>
           <a:p>
             <a:r>
-              <a:rPr lang="ja-JP" altLang="en-US" sz="2400" dirty="0"/>
+              <a:rPr lang="ja-JP" altLang="en-US" sz="2400" dirty="0">
+                <a:solidFill>
+                  <a:schemeClr val="bg1"/>
+                </a:solidFill>
+              </a:rPr>
               <a:t>・資源を使うと強化ができる（</a:t>
             </a:r>
             <a:r>
-              <a:rPr lang="en-US" altLang="ja-JP" sz="2400" dirty="0"/>
+              <a:rPr lang="en-US" altLang="ja-JP" sz="2400" dirty="0">
+                <a:solidFill>
+                  <a:schemeClr val="bg1"/>
+                </a:solidFill>
+              </a:rPr>
               <a:t>3</a:t>
             </a:r>
             <a:r>
-              <a:rPr lang="ja-JP" altLang="en-US" sz="2400" dirty="0"/>
+              <a:rPr lang="ja-JP" altLang="en-US" sz="2400" dirty="0">
+                <a:solidFill>
+                  <a:schemeClr val="bg1"/>
+                </a:solidFill>
+              </a:rPr>
               <a:t>回まで）</a:t>
             </a:r>
-            <a:endParaRPr lang="en-US" altLang="ja-JP" sz="2400" dirty="0"/>
-          </a:p>
-          <a:p>
-            <a:r>
-              <a:rPr lang="ja-JP" altLang="en-US" sz="2400" dirty="0"/>
+            <a:endParaRPr lang="en-US" altLang="ja-JP" sz="2400" dirty="0">
+              <a:solidFill>
+                <a:schemeClr val="bg1"/>
+              </a:solidFill>
+            </a:endParaRPr>
+          </a:p>
+          <a:p>
+            <a:r>
+              <a:rPr lang="ja-JP" altLang="en-US" sz="2400" dirty="0">
+                <a:solidFill>
+                  <a:schemeClr val="bg1"/>
+                </a:solidFill>
+              </a:rPr>
               <a:t>＊強化するごとに資源を使う量は増える</a:t>
             </a:r>
-            <a:endParaRPr lang="en-US" altLang="ja-JP" sz="2400" dirty="0"/>
+            <a:endParaRPr lang="en-US" altLang="ja-JP" sz="2400" dirty="0">
+              <a:solidFill>
+                <a:schemeClr val="bg1"/>
+              </a:solidFill>
+            </a:endParaRPr>
           </a:p>
         </p:txBody>
       </p:sp>
@@ -8060,6 +8900,45 @@
           <a:chExt cx="0" cy="0"/>
         </a:xfrm>
       </p:grpSpPr>
+      <p:pic>
+        <p:nvPicPr>
+          <p:cNvPr id="8" name="図 7">
+            <a:extLst>
+              <a:ext uri="{FF2B5EF4-FFF2-40B4-BE49-F238E27FC236}">
+                <a16:creationId xmlns:a16="http://schemas.microsoft.com/office/drawing/2014/main" id="{9D9701E8-CAD0-4474-B0CE-589191704CB1}"/>
+              </a:ext>
+            </a:extLst>
+          </p:cNvPr>
+          <p:cNvPicPr>
+            <a:picLocks noChangeAspect="1"/>
+          </p:cNvPicPr>
+          <p:nvPr/>
+        </p:nvPicPr>
+        <p:blipFill>
+          <a:blip r:embed="rId2" cstate="print">
+            <a:extLst>
+              <a:ext uri="{28A0092B-C50C-407E-A947-70E740481C1C}">
+                <a14:useLocalDpi xmlns:a14="http://schemas.microsoft.com/office/drawing/2010/main" val="0"/>
+              </a:ext>
+            </a:extLst>
+          </a:blip>
+          <a:stretch>
+            <a:fillRect/>
+          </a:stretch>
+        </p:blipFill>
+        <p:spPr>
+          <a:xfrm>
+            <a:off x="-23600" y="0"/>
+            <a:ext cx="12215600" cy="6858000"/>
+          </a:xfrm>
+          <a:prstGeom prst="rect">
+            <a:avLst/>
+          </a:prstGeom>
+          <a:solidFill>
+            <a:srgbClr val="00B050"/>
+          </a:solidFill>
+        </p:spPr>
+      </p:pic>
       <p:sp>
         <p:nvSpPr>
           <p:cNvPr id="2" name="テキスト ボックス 1">
@@ -8105,10 +8984,10 @@
       </p:sp>
       <p:sp>
         <p:nvSpPr>
-          <p:cNvPr id="17" name="テキスト ボックス 16">
+          <p:cNvPr id="4" name="テキスト ボックス 3">
             <a:extLst>
               <a:ext uri="{FF2B5EF4-FFF2-40B4-BE49-F238E27FC236}">
-                <a16:creationId xmlns:a16="http://schemas.microsoft.com/office/drawing/2014/main" id="{5291B901-0BAE-45D2-BCF9-A7901F6B4E3D}"/>
+                <a16:creationId xmlns:a16="http://schemas.microsoft.com/office/drawing/2014/main" id="{F4643144-5502-46C7-9764-4A3D84B06DE1}"/>
               </a:ext>
             </a:extLst>
           </p:cNvPr>
@@ -8117,8 +8996,8 @@
         </p:nvSpPr>
         <p:spPr>
           <a:xfrm>
-            <a:off x="3788397" y="688852"/>
-            <a:ext cx="7865852" cy="584775"/>
+            <a:off x="3347896" y="1483902"/>
+            <a:ext cx="5472608" cy="830997"/>
           </a:xfrm>
           <a:prstGeom prst="rect">
             <a:avLst/>
@@ -8136,16 +9015,43 @@
           </a:bodyPr>
           <a:lstStyle/>
           <a:p>
-            <a:endParaRPr lang="en-US" altLang="ja-JP" sz="3200" dirty="0"/>
-          </a:p>
-        </p:txBody>
-      </p:sp>
-      <p:sp>
-        <p:nvSpPr>
-          <p:cNvPr id="4" name="テキスト ボックス 3">
+            <a:r>
+              <a:rPr lang="ja-JP" altLang="en-US" sz="2400" dirty="0">
+                <a:solidFill>
+                  <a:schemeClr val="bg1"/>
+                </a:solidFill>
+              </a:rPr>
+              <a:t>・ステージクリア後にスコアを表示</a:t>
+            </a:r>
+            <a:endParaRPr lang="en-US" altLang="ja-JP" sz="2400" dirty="0">
+              <a:solidFill>
+                <a:schemeClr val="bg1"/>
+              </a:solidFill>
+            </a:endParaRPr>
+          </a:p>
+          <a:p>
+            <a:r>
+              <a:rPr kumimoji="1" lang="ja-JP" altLang="en-US" sz="2400" dirty="0">
+                <a:solidFill>
+                  <a:schemeClr val="bg1"/>
+                </a:solidFill>
+              </a:rPr>
+              <a:t>フロアのクリア数で基本スコアを決定する</a:t>
+            </a:r>
+            <a:endParaRPr kumimoji="1" lang="en-US" altLang="ja-JP" sz="2400" dirty="0">
+              <a:solidFill>
+                <a:schemeClr val="bg1"/>
+              </a:solidFill>
+            </a:endParaRPr>
+          </a:p>
+        </p:txBody>
+      </p:sp>
+      <p:sp>
+        <p:nvSpPr>
+          <p:cNvPr id="6" name="テキスト ボックス 5">
             <a:extLst>
               <a:ext uri="{FF2B5EF4-FFF2-40B4-BE49-F238E27FC236}">
-                <a16:creationId xmlns:a16="http://schemas.microsoft.com/office/drawing/2014/main" id="{F4643144-5502-46C7-9764-4A3D84B06DE1}"/>
+                <a16:creationId xmlns:a16="http://schemas.microsoft.com/office/drawing/2014/main" id="{1DFA8605-0412-4E0B-98B1-2F324C0D6445}"/>
               </a:ext>
             </a:extLst>
           </p:cNvPr>
@@ -8154,16 +9060,16 @@
         </p:nvSpPr>
         <p:spPr>
           <a:xfrm>
-            <a:off x="623392" y="1484784"/>
-            <a:ext cx="4536504" cy="461665"/>
+            <a:off x="3815948" y="5331516"/>
+            <a:ext cx="4536504" cy="830997"/>
           </a:xfrm>
           <a:prstGeom prst="rect">
             <a:avLst/>
           </a:prstGeom>
           <a:noFill/>
-          <a:ln>
+          <a:ln w="57150">
             <a:solidFill>
-              <a:schemeClr val="bg1"/>
+              <a:srgbClr val="FFFF00"/>
             </a:solidFill>
           </a:ln>
         </p:spPr>
@@ -8174,19 +9080,58 @@
           <a:lstStyle/>
           <a:p>
             <a:r>
-              <a:rPr lang="ja-JP" altLang="en-US" sz="2400" dirty="0"/>
-              <a:t>・ステージクリア後にスコアを表示</a:t>
-            </a:r>
-            <a:endParaRPr lang="en-US" altLang="ja-JP" sz="2400" dirty="0"/>
-          </a:p>
-        </p:txBody>
-      </p:sp>
-      <p:sp>
-        <p:nvSpPr>
-          <p:cNvPr id="3" name="テキスト ボックス 2">
+              <a:rPr lang="ja-JP" altLang="en-US" sz="2400" dirty="0">
+                <a:solidFill>
+                  <a:schemeClr val="bg1"/>
+                </a:solidFill>
+              </a:rPr>
+              <a:t>・ステージごとにハイスコアを表示</a:t>
+            </a:r>
+            <a:endParaRPr lang="en-US" altLang="ja-JP" sz="2400" dirty="0">
+              <a:solidFill>
+                <a:schemeClr val="bg1"/>
+              </a:solidFill>
+            </a:endParaRPr>
+          </a:p>
+          <a:p>
+            <a:r>
+              <a:rPr lang="ja-JP" altLang="en-US" sz="2400" dirty="0">
+                <a:solidFill>
+                  <a:schemeClr val="bg1"/>
+                </a:solidFill>
+              </a:rPr>
+              <a:t>　（上位</a:t>
+            </a:r>
+            <a:r>
+              <a:rPr lang="en-US" altLang="ja-JP" sz="2400" dirty="0">
+                <a:solidFill>
+                  <a:schemeClr val="bg1"/>
+                </a:solidFill>
+              </a:rPr>
+              <a:t>3</a:t>
+            </a:r>
+            <a:r>
+              <a:rPr lang="ja-JP" altLang="en-US" sz="2400" dirty="0">
+                <a:solidFill>
+                  <a:schemeClr val="bg1"/>
+                </a:solidFill>
+              </a:rPr>
+              <a:t>位）</a:t>
+            </a:r>
+            <a:endParaRPr lang="en-US" altLang="ja-JP" sz="2400" dirty="0">
+              <a:solidFill>
+                <a:schemeClr val="bg1"/>
+              </a:solidFill>
+            </a:endParaRPr>
+          </a:p>
+        </p:txBody>
+      </p:sp>
+      <p:sp>
+        <p:nvSpPr>
+          <p:cNvPr id="12" name="テキスト ボックス 11">
             <a:extLst>
               <a:ext uri="{FF2B5EF4-FFF2-40B4-BE49-F238E27FC236}">
-                <a16:creationId xmlns:a16="http://schemas.microsoft.com/office/drawing/2014/main" id="{BDAEA59D-E1C6-4C0A-8089-D473C97AA894}"/>
+                <a16:creationId xmlns:a16="http://schemas.microsoft.com/office/drawing/2014/main" id="{17057858-EBD3-4F8D-AF0C-8AFAEDA80BDC}"/>
               </a:ext>
             </a:extLst>
           </p:cNvPr>
@@ -8195,61 +9140,16 @@
         </p:nvSpPr>
         <p:spPr>
           <a:xfrm>
-            <a:off x="551384" y="1971503"/>
-            <a:ext cx="5364596" cy="400110"/>
+            <a:off x="3048740" y="3015735"/>
+            <a:ext cx="6094520" cy="1569660"/>
           </a:xfrm>
           <a:prstGeom prst="rect">
             <a:avLst/>
           </a:prstGeom>
-          <a:solidFill>
-            <a:srgbClr val="FEF4EC"/>
-          </a:solidFill>
-          <a:ln>
+          <a:noFill/>
+          <a:ln w="57150">
             <a:solidFill>
-              <a:schemeClr val="accent2">
-                <a:lumMod val="50000"/>
-              </a:schemeClr>
-            </a:solidFill>
-          </a:ln>
-        </p:spPr>
-        <p:txBody>
-          <a:bodyPr wrap="square" rtlCol="0">
-            <a:spAutoFit/>
-          </a:bodyPr>
-          <a:lstStyle/>
-          <a:p>
-            <a:r>
-              <a:rPr kumimoji="1" lang="ja-JP" altLang="en-US" sz="2000" dirty="0"/>
-              <a:t>フロアのクリア数で基本スコアを決定する</a:t>
-            </a:r>
-            <a:endParaRPr kumimoji="1" lang="en-US" altLang="ja-JP" sz="2000" dirty="0"/>
-          </a:p>
-        </p:txBody>
-      </p:sp>
-      <p:sp>
-        <p:nvSpPr>
-          <p:cNvPr id="6" name="テキスト ボックス 5">
-            <a:extLst>
-              <a:ext uri="{FF2B5EF4-FFF2-40B4-BE49-F238E27FC236}">
-                <a16:creationId xmlns:a16="http://schemas.microsoft.com/office/drawing/2014/main" id="{1DFA8605-0412-4E0B-98B1-2F324C0D6445}"/>
-              </a:ext>
-            </a:extLst>
-          </p:cNvPr>
-          <p:cNvSpPr txBox="1"/>
-          <p:nvPr/>
-        </p:nvSpPr>
-        <p:spPr>
-          <a:xfrm>
-            <a:off x="479376" y="4209388"/>
-            <a:ext cx="4536504" cy="830997"/>
-          </a:xfrm>
-          <a:prstGeom prst="rect">
-            <a:avLst/>
-          </a:prstGeom>
-          <a:noFill/>
-          <a:ln>
-            <a:solidFill>
-              <a:schemeClr val="bg1"/>
+              <a:srgbClr val="92D050"/>
             </a:solidFill>
           </a:ln>
         </p:spPr>
@@ -8260,107 +9160,90 @@
           <a:lstStyle/>
           <a:p>
             <a:r>
-              <a:rPr lang="ja-JP" altLang="en-US" sz="2400" dirty="0"/>
-              <a:t>・ステージごとにハイスコアを表示</a:t>
-            </a:r>
-            <a:endParaRPr lang="en-US" altLang="ja-JP" sz="2400" dirty="0"/>
-          </a:p>
-          <a:p>
-            <a:r>
-              <a:rPr lang="ja-JP" altLang="en-US" sz="2400" dirty="0"/>
-              <a:t>　（上位</a:t>
-            </a:r>
-            <a:r>
-              <a:rPr lang="en-US" altLang="ja-JP" sz="2400" dirty="0"/>
-              <a:t>3</a:t>
-            </a:r>
-            <a:r>
-              <a:rPr lang="ja-JP" altLang="en-US" sz="2400" dirty="0"/>
-              <a:t>位ほど）</a:t>
-            </a:r>
-            <a:endParaRPr lang="en-US" altLang="ja-JP" sz="2400" dirty="0"/>
-          </a:p>
-        </p:txBody>
-      </p:sp>
-      <p:sp>
-        <p:nvSpPr>
-          <p:cNvPr id="12" name="テキスト ボックス 11">
-            <a:extLst>
-              <a:ext uri="{FF2B5EF4-FFF2-40B4-BE49-F238E27FC236}">
-                <a16:creationId xmlns:a16="http://schemas.microsoft.com/office/drawing/2014/main" id="{17057858-EBD3-4F8D-AF0C-8AFAEDA80BDC}"/>
-              </a:ext>
-            </a:extLst>
-          </p:cNvPr>
-          <p:cNvSpPr txBox="1"/>
-          <p:nvPr/>
-        </p:nvSpPr>
-        <p:spPr>
-          <a:xfrm>
-            <a:off x="479376" y="2679436"/>
-            <a:ext cx="6094520" cy="1200329"/>
-          </a:xfrm>
-          <a:prstGeom prst="rect">
-            <a:avLst/>
-          </a:prstGeom>
-          <a:solidFill>
-            <a:srgbClr val="FEF4EC"/>
-          </a:solidFill>
-          <a:ln>
-            <a:solidFill>
-              <a:schemeClr val="accent2">
-                <a:lumMod val="50000"/>
-              </a:schemeClr>
-            </a:solidFill>
-          </a:ln>
-        </p:spPr>
-        <p:txBody>
-          <a:bodyPr wrap="square">
-            <a:spAutoFit/>
-          </a:bodyPr>
-          <a:lstStyle/>
-          <a:p>
-            <a:r>
-              <a:rPr lang="ja-JP" altLang="en-US" sz="1800" dirty="0"/>
+              <a:rPr lang="ja-JP" altLang="en-US" sz="2400" dirty="0">
+                <a:solidFill>
+                  <a:schemeClr val="bg1"/>
+                </a:solidFill>
+              </a:rPr>
               <a:t>ゴールに到達したときの追加スコア</a:t>
             </a:r>
-            <a:endParaRPr lang="en-US" altLang="ja-JP" sz="1800" dirty="0"/>
-          </a:p>
-          <a:p>
-            <a:r>
-              <a:rPr lang="ja-JP" altLang="en-US" sz="1800" dirty="0"/>
+            <a:endParaRPr lang="en-US" altLang="ja-JP" sz="2400" dirty="0">
+              <a:solidFill>
+                <a:schemeClr val="bg1"/>
+              </a:solidFill>
+            </a:endParaRPr>
+          </a:p>
+          <a:p>
+            <a:r>
+              <a:rPr lang="ja-JP" altLang="en-US" sz="2400" dirty="0">
+                <a:solidFill>
+                  <a:schemeClr val="bg1"/>
+                </a:solidFill>
+              </a:rPr>
               <a:t>②</a:t>
             </a:r>
             <a:r>
-              <a:rPr kumimoji="1" lang="ja-JP" altLang="en-US" sz="1800" dirty="0"/>
+              <a:rPr kumimoji="1" lang="ja-JP" altLang="en-US" sz="2400" dirty="0">
+                <a:solidFill>
+                  <a:schemeClr val="bg1"/>
+                </a:solidFill>
+              </a:rPr>
               <a:t>残した資源を追加スコア</a:t>
             </a:r>
-            <a:endParaRPr lang="en-US" altLang="ja-JP" sz="1800" dirty="0"/>
-          </a:p>
-          <a:p>
-            <a:r>
-              <a:rPr kumimoji="1" lang="ja-JP" altLang="en-US" sz="1800" dirty="0"/>
+            <a:endParaRPr lang="en-US" altLang="ja-JP" sz="2400" dirty="0">
+              <a:solidFill>
+                <a:schemeClr val="bg1"/>
+              </a:solidFill>
+            </a:endParaRPr>
+          </a:p>
+          <a:p>
+            <a:r>
+              <a:rPr kumimoji="1" lang="ja-JP" altLang="en-US" sz="2400" dirty="0">
+                <a:solidFill>
+                  <a:schemeClr val="bg1"/>
+                </a:solidFill>
+              </a:rPr>
               <a:t>③</a:t>
             </a:r>
             <a:r>
-              <a:rPr lang="ja-JP" altLang="en-US" sz="1800" dirty="0"/>
+              <a:rPr lang="ja-JP" altLang="en-US" sz="2400" dirty="0">
+                <a:solidFill>
+                  <a:schemeClr val="bg1"/>
+                </a:solidFill>
+              </a:rPr>
               <a:t>ボットの最終</a:t>
             </a:r>
             <a:r>
-              <a:rPr lang="en-US" altLang="ja-JP" sz="1800" dirty="0"/>
+              <a:rPr lang="en-US" altLang="ja-JP" sz="2400" dirty="0">
+                <a:solidFill>
+                  <a:schemeClr val="bg1"/>
+                </a:solidFill>
+              </a:rPr>
               <a:t>HP</a:t>
             </a:r>
             <a:r>
-              <a:rPr lang="ja-JP" altLang="en-US" sz="1800" dirty="0"/>
+              <a:rPr lang="ja-JP" altLang="en-US" sz="2400" dirty="0">
+                <a:solidFill>
+                  <a:schemeClr val="bg1"/>
+                </a:solidFill>
+              </a:rPr>
               <a:t>によって追加スコア</a:t>
             </a:r>
-            <a:endParaRPr kumimoji="1" lang="en-US" altLang="ja-JP" sz="1800" dirty="0"/>
-          </a:p>
-          <a:p>
-            <a:r>
-              <a:rPr lang="ja-JP" altLang="en-US" sz="1800" dirty="0"/>
+            <a:endParaRPr kumimoji="1" lang="en-US" altLang="ja-JP" sz="2400" dirty="0">
+              <a:solidFill>
+                <a:schemeClr val="bg1"/>
+              </a:solidFill>
+            </a:endParaRPr>
+          </a:p>
+          <a:p>
+            <a:r>
+              <a:rPr lang="ja-JP" altLang="en-US" sz="2400" dirty="0">
+                <a:solidFill>
+                  <a:schemeClr val="bg1"/>
+                </a:solidFill>
+              </a:rPr>
               <a:t>④宝物をクリアまでもっていくとボーナススコア</a:t>
             </a:r>
-            <a:endParaRPr lang="ja-JP" altLang="en-US" dirty="0"/>
           </a:p>
         </p:txBody>
       </p:sp>
@@ -8394,6 +9277,42 @@
           <a:chExt cx="0" cy="0"/>
         </a:xfrm>
       </p:grpSpPr>
+      <p:pic>
+        <p:nvPicPr>
+          <p:cNvPr id="19" name="図 18">
+            <a:extLst>
+              <a:ext uri="{FF2B5EF4-FFF2-40B4-BE49-F238E27FC236}">
+                <a16:creationId xmlns:a16="http://schemas.microsoft.com/office/drawing/2014/main" id="{7ECB0DB8-2D33-40DB-B2B8-E049442CC696}"/>
+              </a:ext>
+            </a:extLst>
+          </p:cNvPr>
+          <p:cNvPicPr>
+            <a:picLocks noChangeAspect="1"/>
+          </p:cNvPicPr>
+          <p:nvPr/>
+        </p:nvPicPr>
+        <p:blipFill>
+          <a:blip r:embed="rId2" cstate="print">
+            <a:extLst>
+              <a:ext uri="{28A0092B-C50C-407E-A947-70E740481C1C}">
+                <a14:useLocalDpi xmlns:a14="http://schemas.microsoft.com/office/drawing/2010/main" val="0"/>
+              </a:ext>
+            </a:extLst>
+          </a:blip>
+          <a:stretch>
+            <a:fillRect/>
+          </a:stretch>
+        </p:blipFill>
+        <p:spPr>
+          <a:xfrm>
+            <a:off x="-23600" y="0"/>
+            <a:ext cx="12215600" cy="6858000"/>
+          </a:xfrm>
+          <a:prstGeom prst="rect">
+            <a:avLst/>
+          </a:prstGeom>
+        </p:spPr>
+      </p:pic>
       <p:sp>
         <p:nvSpPr>
           <p:cNvPr id="2" name="テキスト ボックス 1">
@@ -8452,7 +9371,7 @@
           <p:nvPr/>
         </p:nvPicPr>
         <p:blipFill>
-          <a:blip r:embed="rId2">
+          <a:blip r:embed="rId3">
             <a:extLst>
               <a:ext uri="{28A0092B-C50C-407E-A947-70E740481C1C}">
                 <a14:useLocalDpi xmlns:a14="http://schemas.microsoft.com/office/drawing/2010/main" val="0"/>
@@ -8465,8 +9384,8 @@
         </p:blipFill>
         <p:spPr>
           <a:xfrm>
-            <a:off x="2063552" y="1990329"/>
-            <a:ext cx="2376016" cy="2376016"/>
+            <a:off x="2135742" y="2249221"/>
+            <a:ext cx="2376016" cy="2055688"/>
           </a:xfrm>
           <a:prstGeom prst="rect">
             <a:avLst/>
@@ -8488,7 +9407,7 @@
           <p:nvPr/>
         </p:nvPicPr>
         <p:blipFill>
-          <a:blip r:embed="rId3">
+          <a:blip r:embed="rId4">
             <a:extLst>
               <a:ext uri="{28A0092B-C50C-407E-A947-70E740481C1C}">
                 <a14:useLocalDpi xmlns:a14="http://schemas.microsoft.com/office/drawing/2010/main" val="0"/>
@@ -8501,8 +9420,8 @@
         </p:blipFill>
         <p:spPr>
           <a:xfrm>
-            <a:off x="7794897" y="1715368"/>
-            <a:ext cx="2376016" cy="2376016"/>
+            <a:off x="7794896" y="2065120"/>
+            <a:ext cx="2376016" cy="2083960"/>
           </a:xfrm>
           <a:prstGeom prst="rect">
             <a:avLst/>
@@ -8542,101 +9461,76 @@
           </a:bodyPr>
           <a:lstStyle/>
           <a:p>
-            <a:r>
-              <a:rPr lang="ja-JP" altLang="en-US" sz="2400" dirty="0"/>
+            <a:pPr algn="ctr"/>
+            <a:r>
+              <a:rPr lang="ja-JP" altLang="en-US" sz="2400" dirty="0">
+                <a:solidFill>
+                  <a:schemeClr val="bg1"/>
+                </a:solidFill>
+              </a:rPr>
               <a:t>ノーマルボックス　</a:t>
             </a:r>
             <a:r>
-              <a:rPr lang="ja-JP" altLang="en-US" dirty="0"/>
+              <a:rPr lang="ja-JP" altLang="en-US" dirty="0">
+                <a:solidFill>
+                  <a:schemeClr val="bg1"/>
+                </a:solidFill>
+              </a:rPr>
               <a:t>　　　　　　　　　（</a:t>
             </a:r>
             <a:r>
-              <a:rPr lang="en-US" altLang="ja-JP" dirty="0"/>
+              <a:rPr lang="en-US" altLang="ja-JP" dirty="0">
+                <a:solidFill>
+                  <a:schemeClr val="bg1"/>
+                </a:solidFill>
+              </a:rPr>
               <a:t>1</a:t>
             </a:r>
             <a:r>
-              <a:rPr lang="ja-JP" altLang="en-US" dirty="0"/>
+              <a:rPr lang="ja-JP" altLang="en-US" dirty="0">
+                <a:solidFill>
+                  <a:schemeClr val="bg1"/>
+                </a:solidFill>
+              </a:rPr>
               <a:t>マップに</a:t>
             </a:r>
             <a:r>
-              <a:rPr lang="en-US" altLang="ja-JP" dirty="0"/>
+              <a:rPr lang="en-US" altLang="ja-JP" dirty="0">
+                <a:solidFill>
+                  <a:schemeClr val="bg1"/>
+                </a:solidFill>
+              </a:rPr>
               <a:t>3</a:t>
             </a:r>
             <a:r>
-              <a:rPr lang="ja-JP" altLang="en-US" dirty="0"/>
+              <a:rPr lang="ja-JP" altLang="en-US" dirty="0">
+                <a:solidFill>
+                  <a:schemeClr val="bg1"/>
+                </a:solidFill>
+              </a:rPr>
               <a:t>～</a:t>
             </a:r>
             <a:r>
-              <a:rPr lang="en-US" altLang="ja-JP" dirty="0"/>
+              <a:rPr lang="en-US" altLang="ja-JP" dirty="0">
+                <a:solidFill>
+                  <a:schemeClr val="bg1"/>
+                </a:solidFill>
+              </a:rPr>
               <a:t>5</a:t>
             </a:r>
             <a:r>
-              <a:rPr lang="ja-JP" altLang="en-US" dirty="0"/>
+              <a:rPr lang="ja-JP" altLang="en-US" dirty="0">
+                <a:solidFill>
+                  <a:schemeClr val="bg1"/>
+                </a:solidFill>
+              </a:rPr>
               <a:t>つある）</a:t>
             </a:r>
-            <a:endParaRPr lang="en-US" altLang="ja-JP" dirty="0"/>
-          </a:p>
-        </p:txBody>
-      </p:sp>
-      <p:sp>
-        <p:nvSpPr>
-          <p:cNvPr id="11" name="テキスト ボックス 10">
-            <a:extLst>
-              <a:ext uri="{FF2B5EF4-FFF2-40B4-BE49-F238E27FC236}">
-                <a16:creationId xmlns:a16="http://schemas.microsoft.com/office/drawing/2014/main" id="{6C06A233-86A1-4555-950F-EBC38408BF8C}"/>
-              </a:ext>
-            </a:extLst>
-          </p:cNvPr>
-          <p:cNvSpPr txBox="1"/>
-          <p:nvPr/>
-        </p:nvSpPr>
-        <p:spPr>
-          <a:xfrm>
-            <a:off x="7578452" y="1083961"/>
-            <a:ext cx="2736304" cy="738664"/>
-          </a:xfrm>
-          <a:prstGeom prst="rect">
-            <a:avLst/>
-          </a:prstGeom>
-          <a:noFill/>
-          <a:ln>
-            <a:noFill/>
-          </a:ln>
-        </p:spPr>
-        <p:txBody>
-          <a:bodyPr wrap="square">
-            <a:spAutoFit/>
-          </a:bodyPr>
-          <a:lstStyle/>
-          <a:p>
-            <a:r>
-              <a:rPr lang="ja-JP" altLang="en-US" sz="2400" dirty="0"/>
-              <a:t>　　レアボックス</a:t>
-            </a:r>
-            <a:endParaRPr lang="en-US" altLang="ja-JP" sz="2400" dirty="0"/>
-          </a:p>
-          <a:p>
-            <a:r>
-              <a:rPr lang="ja-JP" altLang="en-US" dirty="0"/>
-              <a:t>　　（</a:t>
-            </a:r>
-            <a:r>
-              <a:rPr lang="en-US" altLang="ja-JP" dirty="0"/>
-              <a:t>1</a:t>
-            </a:r>
-            <a:r>
-              <a:rPr lang="ja-JP" altLang="en-US" dirty="0"/>
-              <a:t>マップに</a:t>
-            </a:r>
-            <a:r>
-              <a:rPr lang="en-US" altLang="ja-JP" dirty="0"/>
-              <a:t>1</a:t>
-            </a:r>
-            <a:r>
-              <a:rPr lang="ja-JP" altLang="en-US" dirty="0"/>
-              <a:t>つある）</a:t>
-            </a:r>
-            <a:endParaRPr lang="en-US" altLang="ja-JP" dirty="0"/>
+            <a:endParaRPr lang="en-US" altLang="ja-JP" dirty="0">
+              <a:solidFill>
+                <a:schemeClr val="bg1"/>
+              </a:solidFill>
+            </a:endParaRPr>
           </a:p>
         </p:txBody>
       </p:sp>
@@ -8660,6 +9554,11 @@
           <a:prstGeom prst="line">
             <a:avLst/>
           </a:prstGeom>
+          <a:ln w="57150">
+            <a:solidFill>
+              <a:schemeClr val="bg1"/>
+            </a:solidFill>
+          </a:ln>
         </p:spPr>
         <p:style>
           <a:lnRef idx="1">
@@ -8710,10 +9609,18 @@
           <a:lstStyle/>
           <a:p>
             <a:r>
-              <a:rPr lang="ja-JP" altLang="en-US" sz="2800" dirty="0"/>
+              <a:rPr lang="ja-JP" altLang="en-US" sz="2800" dirty="0">
+                <a:solidFill>
+                  <a:schemeClr val="bg1"/>
+                </a:solidFill>
+              </a:rPr>
               <a:t>資源と引き換えに開けることができお宝を入手できる</a:t>
             </a:r>
-            <a:endParaRPr lang="en-US" altLang="ja-JP" sz="2800" dirty="0"/>
+            <a:endParaRPr lang="en-US" altLang="ja-JP" sz="2800" dirty="0">
+              <a:solidFill>
+                <a:schemeClr val="bg1"/>
+              </a:solidFill>
+            </a:endParaRPr>
           </a:p>
         </p:txBody>
       </p:sp>
@@ -8770,7 +9677,7 @@
         </p:nvSpPr>
         <p:spPr>
           <a:xfrm>
-            <a:off x="746195" y="5087914"/>
+            <a:off x="792866" y="4857081"/>
             <a:ext cx="5061771" cy="461665"/>
           </a:xfrm>
           <a:prstGeom prst="rect">
@@ -8788,10 +9695,18 @@
           <a:lstStyle/>
           <a:p>
             <a:r>
-              <a:rPr lang="ja-JP" altLang="en-US" sz="2400" dirty="0"/>
+              <a:rPr lang="ja-JP" altLang="en-US" sz="2400" dirty="0">
+                <a:solidFill>
+                  <a:schemeClr val="bg1"/>
+                </a:solidFill>
+              </a:rPr>
               <a:t>・ノーマルお宝には特別な効果はない</a:t>
             </a:r>
-            <a:endParaRPr lang="en-US" altLang="ja-JP" sz="2400" dirty="0"/>
+            <a:endParaRPr lang="en-US" altLang="ja-JP" sz="2400" dirty="0">
+              <a:solidFill>
+                <a:schemeClr val="bg1"/>
+              </a:solidFill>
+            </a:endParaRPr>
           </a:p>
         </p:txBody>
       </p:sp>
@@ -8809,7 +9724,7 @@
         </p:nvSpPr>
         <p:spPr>
           <a:xfrm>
-            <a:off x="6816079" y="4135512"/>
+            <a:off x="6716017" y="4149080"/>
             <a:ext cx="4533775" cy="461665"/>
           </a:xfrm>
           <a:prstGeom prst="rect">
@@ -8827,10 +9742,18 @@
           <a:lstStyle/>
           <a:p>
             <a:r>
-              <a:rPr lang="ja-JP" altLang="en-US" sz="2400" dirty="0"/>
+              <a:rPr lang="ja-JP" altLang="en-US" sz="2400" dirty="0">
+                <a:solidFill>
+                  <a:schemeClr val="bg1"/>
+                </a:solidFill>
+              </a:rPr>
               <a:t>・資源を大量に使って開けられる</a:t>
             </a:r>
-            <a:endParaRPr lang="en-US" altLang="ja-JP" sz="2400" dirty="0"/>
+            <a:endParaRPr lang="en-US" altLang="ja-JP" sz="2400" dirty="0">
+              <a:solidFill>
+                <a:schemeClr val="bg1"/>
+              </a:solidFill>
+            </a:endParaRPr>
           </a:p>
         </p:txBody>
       </p:sp>
@@ -8848,7 +9771,7 @@
         </p:nvSpPr>
         <p:spPr>
           <a:xfrm>
-            <a:off x="746196" y="4604888"/>
+            <a:off x="1451543" y="4328058"/>
             <a:ext cx="3744418" cy="461665"/>
           </a:xfrm>
           <a:prstGeom prst="rect">
@@ -8866,10 +9789,18 @@
           <a:lstStyle/>
           <a:p>
             <a:r>
-              <a:rPr lang="ja-JP" altLang="en-US" sz="2400" dirty="0"/>
+              <a:rPr lang="ja-JP" altLang="en-US" sz="2400" dirty="0">
+                <a:solidFill>
+                  <a:schemeClr val="bg1"/>
+                </a:solidFill>
+              </a:rPr>
               <a:t>・資源を使って開けられる</a:t>
             </a:r>
-            <a:endParaRPr lang="en-US" altLang="ja-JP" sz="2400" dirty="0"/>
+            <a:endParaRPr lang="en-US" altLang="ja-JP" sz="2400" dirty="0">
+              <a:solidFill>
+                <a:schemeClr val="bg1"/>
+              </a:solidFill>
+            </a:endParaRPr>
           </a:p>
         </p:txBody>
       </p:sp>
@@ -8887,7 +9818,7 @@
         </p:nvSpPr>
         <p:spPr>
           <a:xfrm>
-            <a:off x="6816079" y="4641305"/>
+            <a:off x="6677511" y="4644449"/>
             <a:ext cx="5688632" cy="1200329"/>
           </a:xfrm>
           <a:prstGeom prst="rect">
@@ -8905,32 +9836,64 @@
           <a:lstStyle/>
           <a:p>
             <a:r>
-              <a:rPr lang="ja-JP" altLang="en-US" sz="2400" dirty="0"/>
+              <a:rPr lang="ja-JP" altLang="en-US" sz="2400" dirty="0">
+                <a:solidFill>
+                  <a:schemeClr val="bg1"/>
+                </a:solidFill>
+              </a:rPr>
               <a:t>・レアお宝は</a:t>
             </a:r>
             <a:r>
-              <a:rPr lang="en-US" altLang="ja-JP" sz="2400" dirty="0"/>
+              <a:rPr lang="en-US" altLang="ja-JP" sz="2400" dirty="0">
+                <a:solidFill>
+                  <a:schemeClr val="bg1"/>
+                </a:solidFill>
+              </a:rPr>
               <a:t>1</a:t>
             </a:r>
             <a:r>
-              <a:rPr lang="ja-JP" altLang="en-US" sz="2400" dirty="0"/>
+              <a:rPr lang="ja-JP" altLang="en-US" sz="2400" dirty="0">
+                <a:solidFill>
+                  <a:schemeClr val="bg1"/>
+                </a:solidFill>
+              </a:rPr>
               <a:t>度だけ有利な状況を作れる</a:t>
             </a:r>
-            <a:endParaRPr lang="en-US" altLang="ja-JP" sz="2400" dirty="0"/>
-          </a:p>
-          <a:p>
-            <a:r>
-              <a:rPr lang="ja-JP" altLang="en-US" sz="2400" dirty="0"/>
+            <a:endParaRPr lang="en-US" altLang="ja-JP" sz="2400" dirty="0">
+              <a:solidFill>
+                <a:schemeClr val="bg1"/>
+              </a:solidFill>
+            </a:endParaRPr>
+          </a:p>
+          <a:p>
+            <a:r>
+              <a:rPr lang="ja-JP" altLang="en-US" sz="2400" dirty="0">
+                <a:solidFill>
+                  <a:schemeClr val="bg1"/>
+                </a:solidFill>
+              </a:rPr>
               <a:t>　サポートアイテムにもなる</a:t>
             </a:r>
-            <a:endParaRPr lang="en-US" altLang="ja-JP" sz="2400" dirty="0"/>
-          </a:p>
-          <a:p>
-            <a:r>
-              <a:rPr lang="ja-JP" altLang="en-US" sz="2400" dirty="0"/>
+            <a:endParaRPr lang="en-US" altLang="ja-JP" sz="2400" dirty="0">
+              <a:solidFill>
+                <a:schemeClr val="bg1"/>
+              </a:solidFill>
+            </a:endParaRPr>
+          </a:p>
+          <a:p>
+            <a:r>
+              <a:rPr lang="ja-JP" altLang="en-US" sz="2400" dirty="0">
+                <a:solidFill>
+                  <a:schemeClr val="bg1"/>
+                </a:solidFill>
+              </a:rPr>
               <a:t>　（使うとなくなってしまう）</a:t>
             </a:r>
-            <a:endParaRPr lang="en-US" altLang="ja-JP" sz="2400" dirty="0"/>
+            <a:endParaRPr lang="en-US" altLang="ja-JP" sz="2400" dirty="0">
+              <a:solidFill>
+                <a:schemeClr val="bg1"/>
+              </a:solidFill>
+            </a:endParaRPr>
           </a:p>
         </p:txBody>
       </p:sp>
@@ -8948,7 +9911,7 @@
         </p:nvSpPr>
         <p:spPr>
           <a:xfrm>
-            <a:off x="6816859" y="5841634"/>
+            <a:off x="6860179" y="5844778"/>
             <a:ext cx="4823757" cy="830997"/>
           </a:xfrm>
           <a:prstGeom prst="rect">
@@ -8966,10 +9929,18 @@
           <a:lstStyle/>
           <a:p>
             <a:r>
-              <a:rPr lang="ja-JP" altLang="en-US" sz="2400" dirty="0"/>
+              <a:rPr lang="ja-JP" altLang="en-US" sz="2400" dirty="0">
+                <a:solidFill>
+                  <a:schemeClr val="bg1"/>
+                </a:solidFill>
+              </a:rPr>
               <a:t>・クリア時に所持している場合はボーナススコアを大量に獲得できる</a:t>
             </a:r>
-            <a:endParaRPr lang="en-US" altLang="ja-JP" sz="2400" dirty="0"/>
+            <a:endParaRPr lang="en-US" altLang="ja-JP" sz="2400" dirty="0">
+              <a:solidFill>
+                <a:schemeClr val="bg1"/>
+              </a:solidFill>
+            </a:endParaRPr>
           </a:p>
         </p:txBody>
       </p:sp>
@@ -8987,7 +9958,7 @@
         </p:nvSpPr>
         <p:spPr>
           <a:xfrm>
-            <a:off x="755838" y="5589240"/>
+            <a:off x="1162605" y="5365045"/>
             <a:ext cx="4322291" cy="830997"/>
           </a:xfrm>
           <a:prstGeom prst="rect">
@@ -9005,10 +9976,108 @@
           <a:lstStyle/>
           <a:p>
             <a:r>
-              <a:rPr lang="ja-JP" altLang="en-US" sz="2400" dirty="0"/>
-              <a:t>・クリア時に所持している場合は　ボーナススコアを獲得できる</a:t>
-            </a:r>
-            <a:endParaRPr lang="en-US" altLang="ja-JP" sz="2400" dirty="0"/>
+              <a:rPr lang="ja-JP" altLang="en-US" sz="2400" dirty="0">
+                <a:solidFill>
+                  <a:schemeClr val="bg1"/>
+                </a:solidFill>
+              </a:rPr>
+              <a:t>・クリア時に所持している場合は　　ボーナススコアを獲得できる</a:t>
+            </a:r>
+            <a:endParaRPr lang="en-US" altLang="ja-JP" sz="2400" dirty="0">
+              <a:solidFill>
+                <a:schemeClr val="bg1"/>
+              </a:solidFill>
+            </a:endParaRPr>
+          </a:p>
+        </p:txBody>
+      </p:sp>
+      <p:sp>
+        <p:nvSpPr>
+          <p:cNvPr id="23" name="テキスト ボックス 22">
+            <a:extLst>
+              <a:ext uri="{FF2B5EF4-FFF2-40B4-BE49-F238E27FC236}">
+                <a16:creationId xmlns:a16="http://schemas.microsoft.com/office/drawing/2014/main" id="{ADEBD58D-8A6B-49AB-88DB-A0936CB88E8A}"/>
+              </a:ext>
+            </a:extLst>
+          </p:cNvPr>
+          <p:cNvSpPr txBox="1"/>
+          <p:nvPr/>
+        </p:nvSpPr>
+        <p:spPr>
+          <a:xfrm>
+            <a:off x="7697587" y="1326456"/>
+            <a:ext cx="2520403" cy="738664"/>
+          </a:xfrm>
+          <a:prstGeom prst="rect">
+            <a:avLst/>
+          </a:prstGeom>
+          <a:noFill/>
+          <a:ln>
+            <a:solidFill>
+              <a:schemeClr val="bg1"/>
+            </a:solidFill>
+          </a:ln>
+        </p:spPr>
+        <p:txBody>
+          <a:bodyPr wrap="square">
+            <a:spAutoFit/>
+          </a:bodyPr>
+          <a:lstStyle/>
+          <a:p>
+            <a:pPr algn="ctr"/>
+            <a:r>
+              <a:rPr lang="ja-JP" altLang="en-US" sz="2400" dirty="0">
+                <a:solidFill>
+                  <a:schemeClr val="bg1"/>
+                </a:solidFill>
+              </a:rPr>
+              <a:t>レアボックス　</a:t>
+            </a:r>
+            <a:r>
+              <a:rPr lang="ja-JP" altLang="en-US" dirty="0">
+                <a:solidFill>
+                  <a:schemeClr val="bg1"/>
+                </a:solidFill>
+              </a:rPr>
+              <a:t>　　　　　　　　　（</a:t>
+            </a:r>
+            <a:r>
+              <a:rPr lang="en-US" altLang="ja-JP" dirty="0">
+                <a:solidFill>
+                  <a:schemeClr val="bg1"/>
+                </a:solidFill>
+              </a:rPr>
+              <a:t>1</a:t>
+            </a:r>
+            <a:r>
+              <a:rPr lang="ja-JP" altLang="en-US" dirty="0">
+                <a:solidFill>
+                  <a:schemeClr val="bg1"/>
+                </a:solidFill>
+              </a:rPr>
+              <a:t>マップに</a:t>
+            </a:r>
+            <a:r>
+              <a:rPr lang="en-US" altLang="ja-JP" dirty="0">
+                <a:solidFill>
+                  <a:schemeClr val="bg1"/>
+                </a:solidFill>
+              </a:rPr>
+              <a:t>1</a:t>
+            </a:r>
+            <a:r>
+              <a:rPr lang="ja-JP" altLang="en-US" dirty="0">
+                <a:solidFill>
+                  <a:schemeClr val="bg1"/>
+                </a:solidFill>
+              </a:rPr>
+              <a:t>つある）</a:t>
+            </a:r>
+            <a:endParaRPr lang="en-US" altLang="ja-JP" dirty="0">
+              <a:solidFill>
+                <a:schemeClr val="bg1"/>
+              </a:solidFill>
+            </a:endParaRPr>
           </a:p>
         </p:txBody>
       </p:sp>

--- a/data/就職作品企画書_宮近一星.pptx
+++ b/data/就職作品企画書_宮近一星.pptx
@@ -228,7 +228,7 @@
           <a:p>
             <a:fld id="{4C5FCBF2-6417-492C-9864-B0EED3A4C2ED}" type="datetimeFigureOut">
               <a:rPr kumimoji="1" lang="ja-JP" altLang="en-US" smtClean="0"/>
-              <a:t>2024/7/30</a:t>
+              <a:t>2024/7/31</a:t>
             </a:fld>
             <a:endParaRPr kumimoji="1" lang="ja-JP" altLang="en-US"/>
           </a:p>
@@ -790,7 +790,7 @@
           <a:p>
             <a:fld id="{23969284-4B78-4961-8576-EBBB764C8E8C}" type="datetimeFigureOut">
               <a:rPr kumimoji="1" lang="ja-JP" altLang="en-US" smtClean="0"/>
-              <a:t>2024/7/30</a:t>
+              <a:t>2024/7/31</a:t>
             </a:fld>
             <a:endParaRPr kumimoji="1" lang="ja-JP" altLang="en-US"/>
           </a:p>
@@ -990,7 +990,7 @@
           <a:p>
             <a:fld id="{23969284-4B78-4961-8576-EBBB764C8E8C}" type="datetimeFigureOut">
               <a:rPr kumimoji="1" lang="ja-JP" altLang="en-US" smtClean="0"/>
-              <a:t>2024/7/30</a:t>
+              <a:t>2024/7/31</a:t>
             </a:fld>
             <a:endParaRPr kumimoji="1" lang="ja-JP" altLang="en-US"/>
           </a:p>
@@ -1200,7 +1200,7 @@
           <a:p>
             <a:fld id="{23969284-4B78-4961-8576-EBBB764C8E8C}" type="datetimeFigureOut">
               <a:rPr kumimoji="1" lang="ja-JP" altLang="en-US" smtClean="0"/>
-              <a:t>2024/7/30</a:t>
+              <a:t>2024/7/31</a:t>
             </a:fld>
             <a:endParaRPr kumimoji="1" lang="ja-JP" altLang="en-US"/>
           </a:p>
@@ -1400,7 +1400,7 @@
           <a:p>
             <a:fld id="{23969284-4B78-4961-8576-EBBB764C8E8C}" type="datetimeFigureOut">
               <a:rPr kumimoji="1" lang="ja-JP" altLang="en-US" smtClean="0"/>
-              <a:t>2024/7/30</a:t>
+              <a:t>2024/7/31</a:t>
             </a:fld>
             <a:endParaRPr kumimoji="1" lang="ja-JP" altLang="en-US"/>
           </a:p>
@@ -1645,7 +1645,7 @@
           <a:p>
             <a:fld id="{23969284-4B78-4961-8576-EBBB764C8E8C}" type="datetimeFigureOut">
               <a:rPr kumimoji="1" lang="ja-JP" altLang="en-US" smtClean="0"/>
-              <a:t>2024/7/30</a:t>
+              <a:t>2024/7/31</a:t>
             </a:fld>
             <a:endParaRPr kumimoji="1" lang="ja-JP" altLang="en-US"/>
           </a:p>
@@ -1994,7 +1994,7 @@
           <a:p>
             <a:fld id="{23969284-4B78-4961-8576-EBBB764C8E8C}" type="datetimeFigureOut">
               <a:rPr kumimoji="1" lang="ja-JP" altLang="en-US" smtClean="0"/>
-              <a:t>2024/7/30</a:t>
+              <a:t>2024/7/31</a:t>
             </a:fld>
             <a:endParaRPr kumimoji="1" lang="ja-JP" altLang="en-US"/>
           </a:p>
@@ -2477,7 +2477,7 @@
           <a:p>
             <a:fld id="{23969284-4B78-4961-8576-EBBB764C8E8C}" type="datetimeFigureOut">
               <a:rPr kumimoji="1" lang="ja-JP" altLang="en-US" smtClean="0"/>
-              <a:t>2024/7/30</a:t>
+              <a:t>2024/7/31</a:t>
             </a:fld>
             <a:endParaRPr kumimoji="1" lang="ja-JP" altLang="en-US"/>
           </a:p>
@@ -2594,7 +2594,7 @@
           <a:p>
             <a:fld id="{23969284-4B78-4961-8576-EBBB764C8E8C}" type="datetimeFigureOut">
               <a:rPr kumimoji="1" lang="ja-JP" altLang="en-US" smtClean="0"/>
-              <a:t>2024/7/30</a:t>
+              <a:t>2024/7/31</a:t>
             </a:fld>
             <a:endParaRPr kumimoji="1" lang="ja-JP" altLang="en-US"/>
           </a:p>
@@ -2689,7 +2689,7 @@
           <a:p>
             <a:fld id="{23969284-4B78-4961-8576-EBBB764C8E8C}" type="datetimeFigureOut">
               <a:rPr kumimoji="1" lang="ja-JP" altLang="en-US" smtClean="0"/>
-              <a:t>2024/7/30</a:t>
+              <a:t>2024/7/31</a:t>
             </a:fld>
             <a:endParaRPr kumimoji="1" lang="ja-JP" altLang="en-US"/>
           </a:p>
@@ -2996,7 +2996,7 @@
           <a:p>
             <a:fld id="{23969284-4B78-4961-8576-EBBB764C8E8C}" type="datetimeFigureOut">
               <a:rPr kumimoji="1" lang="ja-JP" altLang="en-US" smtClean="0"/>
-              <a:t>2024/7/30</a:t>
+              <a:t>2024/7/31</a:t>
             </a:fld>
             <a:endParaRPr kumimoji="1" lang="ja-JP" altLang="en-US"/>
           </a:p>
@@ -3248,7 +3248,7 @@
           <a:p>
             <a:fld id="{23969284-4B78-4961-8576-EBBB764C8E8C}" type="datetimeFigureOut">
               <a:rPr kumimoji="1" lang="ja-JP" altLang="en-US" smtClean="0"/>
-              <a:t>2024/7/30</a:t>
+              <a:t>2024/7/31</a:t>
             </a:fld>
             <a:endParaRPr kumimoji="1" lang="ja-JP" altLang="en-US"/>
           </a:p>
@@ -3491,7 +3491,7 @@
           <a:p>
             <a:fld id="{23969284-4B78-4961-8576-EBBB764C8E8C}" type="datetimeFigureOut">
               <a:rPr kumimoji="1" lang="ja-JP" altLang="en-US" smtClean="0"/>
-              <a:t>2024/7/30</a:t>
+              <a:t>2024/7/31</a:t>
             </a:fld>
             <a:endParaRPr kumimoji="1" lang="ja-JP" altLang="en-US"/>
           </a:p>
@@ -3957,6 +3957,56 @@
           </a:p>
         </p:txBody>
       </p:sp>
+      <p:sp>
+        <p:nvSpPr>
+          <p:cNvPr id="2" name="テキスト ボックス 1">
+            <a:extLst>
+              <a:ext uri="{FF2B5EF4-FFF2-40B4-BE49-F238E27FC236}">
+                <a16:creationId xmlns:a16="http://schemas.microsoft.com/office/drawing/2014/main" id="{AE4AB32D-DF43-4297-8D83-CCA61571EBCD}"/>
+              </a:ext>
+            </a:extLst>
+          </p:cNvPr>
+          <p:cNvSpPr txBox="1"/>
+          <p:nvPr/>
+        </p:nvSpPr>
+        <p:spPr>
+          <a:xfrm>
+            <a:off x="2612613" y="2767280"/>
+            <a:ext cx="6966774" cy="1323439"/>
+          </a:xfrm>
+          <a:prstGeom prst="rect">
+            <a:avLst/>
+          </a:prstGeom>
+          <a:noFill/>
+          <a:ln>
+            <a:noFill/>
+          </a:ln>
+        </p:spPr>
+        <p:txBody>
+          <a:bodyPr wrap="square" rtlCol="0">
+            <a:spAutoFit/>
+          </a:bodyPr>
+          <a:lstStyle/>
+          <a:p>
+            <a:r>
+              <a:rPr lang="ja-JP" altLang="en-US" sz="8000" dirty="0">
+                <a:solidFill>
+                  <a:schemeClr val="bg1"/>
+                </a:solidFill>
+              </a:rPr>
+              <a:t>ボット</a:t>
+            </a:r>
+            <a:r>
+              <a:rPr kumimoji="1" lang="ja-JP" altLang="en-US" sz="8000" dirty="0">
+                <a:solidFill>
+                  <a:schemeClr val="bg1"/>
+                </a:solidFill>
+              </a:rPr>
+              <a:t>ダンジョン</a:t>
+            </a:r>
+          </a:p>
+        </p:txBody>
+      </p:sp>
     </p:spTree>
     <p:extLst>
       <p:ext uri="{BB962C8B-B14F-4D97-AF65-F5344CB8AC3E}">
@@ -7102,7 +7152,7 @@
         </p:blipFill>
         <p:spPr>
           <a:xfrm>
-            <a:off x="-23600" y="0"/>
+            <a:off x="0" y="-1093"/>
             <a:ext cx="12215600" cy="6858000"/>
           </a:xfrm>
           <a:prstGeom prst="rect">
@@ -7178,80 +7228,8 @@
         </p:blipFill>
         <p:spPr>
           <a:xfrm>
-            <a:off x="1746279" y="4059663"/>
-            <a:ext cx="1728192" cy="1728192"/>
-          </a:xfrm>
-          <a:prstGeom prst="rect">
-            <a:avLst/>
-          </a:prstGeom>
-        </p:spPr>
-      </p:pic>
-      <p:pic>
-        <p:nvPicPr>
-          <p:cNvPr id="10" name="図 9">
-            <a:extLst>
-              <a:ext uri="{FF2B5EF4-FFF2-40B4-BE49-F238E27FC236}">
-                <a16:creationId xmlns:a16="http://schemas.microsoft.com/office/drawing/2014/main" id="{D43801EE-6EE3-4151-977E-2123EC5CC729}"/>
-              </a:ext>
-            </a:extLst>
-          </p:cNvPr>
-          <p:cNvPicPr>
-            <a:picLocks noChangeAspect="1"/>
-          </p:cNvPicPr>
-          <p:nvPr/>
-        </p:nvPicPr>
-        <p:blipFill>
-          <a:blip r:embed="rId5">
-            <a:extLst>
-              <a:ext uri="{28A0092B-C50C-407E-A947-70E740481C1C}">
-                <a14:useLocalDpi xmlns:a14="http://schemas.microsoft.com/office/drawing/2010/main" val="0"/>
-              </a:ext>
-            </a:extLst>
-          </a:blip>
-          <a:stretch>
-            <a:fillRect/>
-          </a:stretch>
-        </p:blipFill>
-        <p:spPr>
-          <a:xfrm>
-            <a:off x="6672796" y="4279786"/>
-            <a:ext cx="1546886" cy="1161558"/>
-          </a:xfrm>
-          <a:prstGeom prst="rect">
-            <a:avLst/>
-          </a:prstGeom>
-        </p:spPr>
-      </p:pic>
-      <p:pic>
-        <p:nvPicPr>
-          <p:cNvPr id="12" name="図 11">
-            <a:extLst>
-              <a:ext uri="{FF2B5EF4-FFF2-40B4-BE49-F238E27FC236}">
-                <a16:creationId xmlns:a16="http://schemas.microsoft.com/office/drawing/2014/main" id="{BE37B651-EA96-4636-81D8-24668860E15D}"/>
-              </a:ext>
-            </a:extLst>
-          </p:cNvPr>
-          <p:cNvPicPr>
-            <a:picLocks noChangeAspect="1"/>
-          </p:cNvPicPr>
-          <p:nvPr/>
-        </p:nvPicPr>
-        <p:blipFill>
-          <a:blip r:embed="rId6">
-            <a:extLst>
-              <a:ext uri="{28A0092B-C50C-407E-A947-70E740481C1C}">
-                <a14:useLocalDpi xmlns:a14="http://schemas.microsoft.com/office/drawing/2010/main" val="0"/>
-              </a:ext>
-            </a:extLst>
-          </a:blip>
-          <a:stretch>
-            <a:fillRect/>
-          </a:stretch>
-        </p:blipFill>
-        <p:spPr>
-          <a:xfrm>
-            <a:off x="6669338" y="3048478"/>
-            <a:ext cx="1546885" cy="1113459"/>
+            <a:off x="1532365" y="3606355"/>
+            <a:ext cx="2091270" cy="2091270"/>
           </a:xfrm>
           <a:prstGeom prst="rect">
             <a:avLst/>
@@ -7272,7 +7250,7 @@
         </p:nvCxnSpPr>
         <p:spPr>
           <a:xfrm flipV="1">
-            <a:off x="3847769" y="3434064"/>
+            <a:off x="3828341" y="3055308"/>
             <a:ext cx="2448272" cy="792088"/>
           </a:xfrm>
           <a:prstGeom prst="bentConnector3">
@@ -7311,7 +7289,7 @@
         </p:nvSpPr>
         <p:spPr>
           <a:xfrm>
-            <a:off x="154142" y="4653136"/>
+            <a:off x="136756" y="4360825"/>
             <a:ext cx="1261338" cy="707886"/>
           </a:xfrm>
           <a:prstGeom prst="rect">
@@ -7357,7 +7335,7 @@
         </p:nvSpPr>
         <p:spPr>
           <a:xfrm>
-            <a:off x="8644250" y="3251264"/>
+            <a:off x="8545962" y="2676338"/>
             <a:ext cx="3428414" cy="707886"/>
           </a:xfrm>
           <a:prstGeom prst="rect">
@@ -7403,7 +7381,7 @@
         </p:nvSpPr>
         <p:spPr>
           <a:xfrm>
-            <a:off x="8644250" y="4714691"/>
+            <a:off x="8545962" y="4256964"/>
             <a:ext cx="3488003" cy="646331"/>
           </a:xfrm>
           <a:prstGeom prst="rect">
@@ -7435,85 +7413,6 @@
           </a:p>
         </p:txBody>
       </p:sp>
-      <p:sp>
-        <p:nvSpPr>
-          <p:cNvPr id="20" name="テキスト ボックス 19">
-            <a:extLst>
-              <a:ext uri="{FF2B5EF4-FFF2-40B4-BE49-F238E27FC236}">
-                <a16:creationId xmlns:a16="http://schemas.microsoft.com/office/drawing/2014/main" id="{D0BE1047-70A4-471B-BB3C-8568A4E4E0F8}"/>
-              </a:ext>
-            </a:extLst>
-          </p:cNvPr>
-          <p:cNvSpPr txBox="1"/>
-          <p:nvPr/>
-        </p:nvSpPr>
-        <p:spPr>
-          <a:xfrm>
-            <a:off x="6547773" y="1985907"/>
-            <a:ext cx="5616624" cy="461665"/>
-          </a:xfrm>
-          <a:prstGeom prst="rect">
-            <a:avLst/>
-          </a:prstGeom>
-          <a:noFill/>
-          <a:ln>
-            <a:noFill/>
-          </a:ln>
-        </p:spPr>
-        <p:txBody>
-          <a:bodyPr wrap="square">
-            <a:spAutoFit/>
-          </a:bodyPr>
-          <a:lstStyle/>
-          <a:p>
-            <a:r>
-              <a:rPr lang="ja-JP" altLang="en-US" sz="2400" dirty="0">
-                <a:solidFill>
-                  <a:schemeClr val="bg1"/>
-                </a:solidFill>
-              </a:rPr>
-              <a:t>ユニットは</a:t>
-            </a:r>
-            <a:r>
-              <a:rPr lang="en-US" altLang="ja-JP" sz="2400" dirty="0">
-                <a:solidFill>
-                  <a:schemeClr val="bg1"/>
-                </a:solidFill>
-              </a:rPr>
-              <a:t>5</a:t>
-            </a:r>
-            <a:r>
-              <a:rPr lang="ja-JP" altLang="en-US" sz="2400" dirty="0">
-                <a:solidFill>
-                  <a:schemeClr val="bg1"/>
-                </a:solidFill>
-              </a:rPr>
-              <a:t>種類あるうちランダム</a:t>
-            </a:r>
-            <a:r>
-              <a:rPr lang="en-US" altLang="ja-JP" sz="2400" dirty="0">
-                <a:solidFill>
-                  <a:schemeClr val="bg1"/>
-                </a:solidFill>
-              </a:rPr>
-              <a:t>3</a:t>
-            </a:r>
-            <a:r>
-              <a:rPr lang="ja-JP" altLang="en-US" sz="2400" dirty="0">
-                <a:solidFill>
-                  <a:schemeClr val="bg1"/>
-                </a:solidFill>
-              </a:rPr>
-              <a:t>つ選択</a:t>
-            </a:r>
-            <a:endParaRPr lang="en-US" altLang="ja-JP" sz="2400" dirty="0">
-              <a:solidFill>
-                <a:schemeClr val="bg1"/>
-              </a:solidFill>
-            </a:endParaRPr>
-          </a:p>
-        </p:txBody>
-      </p:sp>
       <p:cxnSp>
         <p:nvCxnSpPr>
           <p:cNvPr id="6" name="直線矢印コネクタ 5">
@@ -7530,7 +7429,7 @@
         </p:nvCxnSpPr>
         <p:spPr>
           <a:xfrm>
-            <a:off x="3841496" y="4923759"/>
+            <a:off x="3805270" y="4714768"/>
             <a:ext cx="2483476" cy="1566"/>
           </a:xfrm>
           <a:prstGeom prst="straightConnector1">
@@ -7571,7 +7470,7 @@
         </p:nvCxnSpPr>
         <p:spPr>
           <a:xfrm>
-            <a:off x="3852829" y="5547891"/>
+            <a:off x="3852829" y="5652139"/>
             <a:ext cx="2476080" cy="627608"/>
           </a:xfrm>
           <a:prstGeom prst="bentConnector3">
@@ -7613,7 +7512,7 @@
           <p:nvPr/>
         </p:nvPicPr>
         <p:blipFill>
-          <a:blip r:embed="rId7">
+          <a:blip r:embed="rId5">
             <a:extLst>
               <a:ext uri="{28A0092B-C50C-407E-A947-70E740481C1C}">
                 <a14:useLocalDpi xmlns:a14="http://schemas.microsoft.com/office/drawing/2010/main" val="0"/>
@@ -7627,7 +7526,7 @@
         </p:blipFill>
         <p:spPr bwMode="auto">
           <a:xfrm>
-            <a:off x="6672796" y="5693112"/>
+            <a:off x="6707267" y="5610328"/>
             <a:ext cx="1546886" cy="1130342"/>
           </a:xfrm>
           <a:prstGeom prst="rect">
@@ -7659,7 +7558,7 @@
         </p:nvSpPr>
         <p:spPr>
           <a:xfrm>
-            <a:off x="8656669" y="5874978"/>
+            <a:off x="8869997" y="5846265"/>
             <a:ext cx="2839931" cy="707886"/>
           </a:xfrm>
           <a:prstGeom prst="rect">
@@ -7709,16 +7608,18 @@
         </p:nvSpPr>
         <p:spPr>
           <a:xfrm>
-            <a:off x="6528048" y="1110035"/>
+            <a:off x="6357752" y="611790"/>
             <a:ext cx="5616624" cy="1475702"/>
           </a:xfrm>
           <a:prstGeom prst="wedgeRectCallout">
             <a:avLst>
-              <a:gd name="adj1" fmla="val -36509"/>
-              <a:gd name="adj2" fmla="val 72400"/>
+              <a:gd name="adj1" fmla="val -29273"/>
+              <a:gd name="adj2" fmla="val 73930"/>
             </a:avLst>
           </a:prstGeom>
-          <a:noFill/>
+          <a:solidFill>
+            <a:srgbClr val="C00000"/>
+          </a:solidFill>
           <a:ln>
             <a:solidFill>
               <a:schemeClr val="bg1"/>
@@ -7768,7 +7669,7 @@
         </p:nvSpPr>
         <p:spPr>
           <a:xfrm>
-            <a:off x="7446239" y="1074131"/>
+            <a:off x="7351740" y="641013"/>
             <a:ext cx="3628647" cy="830997"/>
           </a:xfrm>
           <a:prstGeom prst="rect">
@@ -7863,6 +7764,157 @@
           </a:p>
         </p:txBody>
       </p:sp>
+      <p:pic>
+        <p:nvPicPr>
+          <p:cNvPr id="4" name="図 3">
+            <a:extLst>
+              <a:ext uri="{FF2B5EF4-FFF2-40B4-BE49-F238E27FC236}">
+                <a16:creationId xmlns:a16="http://schemas.microsoft.com/office/drawing/2014/main" id="{D8B1C715-1C61-45D0-80AF-11F69BB0DBD7}"/>
+              </a:ext>
+            </a:extLst>
+          </p:cNvPr>
+          <p:cNvPicPr>
+            <a:picLocks noChangeAspect="1"/>
+          </p:cNvPicPr>
+          <p:nvPr/>
+        </p:nvPicPr>
+        <p:blipFill>
+          <a:blip r:embed="rId6" cstate="print">
+            <a:extLst>
+              <a:ext uri="{28A0092B-C50C-407E-A947-70E740481C1C}">
+                <a14:useLocalDpi xmlns:a14="http://schemas.microsoft.com/office/drawing/2010/main" val="0"/>
+              </a:ext>
+            </a:extLst>
+          </a:blip>
+          <a:stretch>
+            <a:fillRect/>
+          </a:stretch>
+        </p:blipFill>
+        <p:spPr>
+          <a:xfrm>
+            <a:off x="6585259" y="3803372"/>
+            <a:ext cx="1529202" cy="1531175"/>
+          </a:xfrm>
+          <a:prstGeom prst="rect">
+            <a:avLst/>
+          </a:prstGeom>
+        </p:spPr>
+      </p:pic>
+      <p:sp>
+        <p:nvSpPr>
+          <p:cNvPr id="27" name="テキスト ボックス 26">
+            <a:extLst>
+              <a:ext uri="{FF2B5EF4-FFF2-40B4-BE49-F238E27FC236}">
+                <a16:creationId xmlns:a16="http://schemas.microsoft.com/office/drawing/2014/main" id="{41ED8601-89D8-4759-A760-28E1345DD2D5}"/>
+              </a:ext>
+            </a:extLst>
+          </p:cNvPr>
+          <p:cNvSpPr txBox="1"/>
+          <p:nvPr/>
+        </p:nvSpPr>
+        <p:spPr>
+          <a:xfrm>
+            <a:off x="6304459" y="1516958"/>
+            <a:ext cx="5735960" cy="461665"/>
+          </a:xfrm>
+          <a:prstGeom prst="rect">
+            <a:avLst/>
+          </a:prstGeom>
+          <a:noFill/>
+          <a:ln>
+            <a:noFill/>
+          </a:ln>
+        </p:spPr>
+        <p:txBody>
+          <a:bodyPr wrap="square">
+            <a:spAutoFit/>
+          </a:bodyPr>
+          <a:lstStyle/>
+          <a:p>
+            <a:r>
+              <a:rPr lang="ja-JP" altLang="en-US" sz="2400" dirty="0">
+                <a:solidFill>
+                  <a:schemeClr val="bg1"/>
+                </a:solidFill>
+              </a:rPr>
+              <a:t>ユニットは</a:t>
+            </a:r>
+            <a:r>
+              <a:rPr lang="en-US" altLang="ja-JP" sz="2400" dirty="0">
+                <a:solidFill>
+                  <a:schemeClr val="bg1"/>
+                </a:solidFill>
+              </a:rPr>
+              <a:t>5</a:t>
+            </a:r>
+            <a:r>
+              <a:rPr lang="ja-JP" altLang="en-US" sz="2400" dirty="0">
+                <a:solidFill>
+                  <a:schemeClr val="bg1"/>
+                </a:solidFill>
+              </a:rPr>
+              <a:t>種類あるうちランダムで</a:t>
+            </a:r>
+            <a:r>
+              <a:rPr lang="en-US" altLang="ja-JP" sz="2400" dirty="0">
+                <a:solidFill>
+                  <a:schemeClr val="bg1"/>
+                </a:solidFill>
+              </a:rPr>
+              <a:t>3</a:t>
+            </a:r>
+            <a:r>
+              <a:rPr lang="ja-JP" altLang="en-US" sz="2400" dirty="0">
+                <a:solidFill>
+                  <a:schemeClr val="bg1"/>
+                </a:solidFill>
+              </a:rPr>
+              <a:t>つ選択</a:t>
+            </a:r>
+            <a:endParaRPr lang="en-US" altLang="ja-JP" sz="2400" dirty="0">
+              <a:solidFill>
+                <a:schemeClr val="bg1"/>
+              </a:solidFill>
+            </a:endParaRPr>
+          </a:p>
+        </p:txBody>
+      </p:sp>
+      <p:pic>
+        <p:nvPicPr>
+          <p:cNvPr id="7" name="図 6">
+            <a:extLst>
+              <a:ext uri="{FF2B5EF4-FFF2-40B4-BE49-F238E27FC236}">
+                <a16:creationId xmlns:a16="http://schemas.microsoft.com/office/drawing/2014/main" id="{79C99D8E-E923-45A0-997B-46EACB1DF393}"/>
+              </a:ext>
+            </a:extLst>
+          </p:cNvPr>
+          <p:cNvPicPr>
+            <a:picLocks noChangeAspect="1"/>
+          </p:cNvPicPr>
+          <p:nvPr/>
+        </p:nvPicPr>
+        <p:blipFill>
+          <a:blip r:embed="rId7" cstate="print">
+            <a:extLst>
+              <a:ext uri="{28A0092B-C50C-407E-A947-70E740481C1C}">
+                <a14:useLocalDpi xmlns:a14="http://schemas.microsoft.com/office/drawing/2010/main" val="0"/>
+              </a:ext>
+            </a:extLst>
+          </a:blip>
+          <a:stretch>
+            <a:fillRect/>
+          </a:stretch>
+        </p:blipFill>
+        <p:spPr>
+          <a:xfrm>
+            <a:off x="6807661" y="2486834"/>
+            <a:ext cx="1346098" cy="1424317"/>
+          </a:xfrm>
+          <a:prstGeom prst="rect">
+            <a:avLst/>
+          </a:prstGeom>
+        </p:spPr>
+      </p:pic>
     </p:spTree>
     <p:extLst>
       <p:ext uri="{BB962C8B-B14F-4D97-AF65-F5344CB8AC3E}">
